--- a/figure/related/all.pptx
+++ b/figure/related/all.pptx
@@ -5,10 +5,11 @@
     <p:sldMasterId id="2147483648" r:id="rId1"/>
   </p:sldMasterIdLst>
   <p:notesMasterIdLst>
-    <p:notesMasterId r:id="rId3"/>
+    <p:notesMasterId r:id="rId4"/>
   </p:notesMasterIdLst>
   <p:sldIdLst>
     <p:sldId id="256" r:id="rId2"/>
+    <p:sldId id="257" r:id="rId3"/>
   </p:sldIdLst>
   <p:sldSz cx="12192000" cy="6858000"/>
   <p:notesSz cx="6858000" cy="9144000"/>
@@ -197,7 +198,7 @@
           <a:p>
             <a:fld id="{E61F3DC1-0BAD-C94F-9B92-B1109F77A3D2}" type="datetimeFigureOut">
               <a:rPr kumimoji="1" lang="zh-CN" altLang="en-US" smtClean="0"/>
-              <a:t>2022/11/14</a:t>
+              <a:t>2022/11/19</a:t>
             </a:fld>
             <a:endParaRPr kumimoji="1" lang="zh-CN" altLang="en-US"/>
           </a:p>
@@ -593,7 +594,7 @@
           <a:p>
             <a:fld id="{18ED1853-EC6A-F244-8D3B-C13A21A74960}" type="datetimeFigureOut">
               <a:rPr lang="en-US" smtClean="0"/>
-              <a:t>11/14/22</a:t>
+              <a:t>11/19/22</a:t>
             </a:fld>
             <a:endParaRPr lang="en-US"/>
           </a:p>
@@ -761,7 +762,7 @@
           <a:p>
             <a:fld id="{18ED1853-EC6A-F244-8D3B-C13A21A74960}" type="datetimeFigureOut">
               <a:rPr lang="en-US" smtClean="0"/>
-              <a:t>11/14/22</a:t>
+              <a:t>11/19/22</a:t>
             </a:fld>
             <a:endParaRPr lang="en-US"/>
           </a:p>
@@ -939,7 +940,7 @@
           <a:p>
             <a:fld id="{18ED1853-EC6A-F244-8D3B-C13A21A74960}" type="datetimeFigureOut">
               <a:rPr lang="en-US" smtClean="0"/>
-              <a:t>11/14/22</a:t>
+              <a:t>11/19/22</a:t>
             </a:fld>
             <a:endParaRPr lang="en-US"/>
           </a:p>
@@ -1107,7 +1108,7 @@
           <a:p>
             <a:fld id="{18ED1853-EC6A-F244-8D3B-C13A21A74960}" type="datetimeFigureOut">
               <a:rPr lang="en-US" smtClean="0"/>
-              <a:t>11/14/22</a:t>
+              <a:t>11/19/22</a:t>
             </a:fld>
             <a:endParaRPr lang="en-US"/>
           </a:p>
@@ -1352,7 +1353,7 @@
           <a:p>
             <a:fld id="{18ED1853-EC6A-F244-8D3B-C13A21A74960}" type="datetimeFigureOut">
               <a:rPr lang="en-US" smtClean="0"/>
-              <a:t>11/14/22</a:t>
+              <a:t>11/19/22</a:t>
             </a:fld>
             <a:endParaRPr lang="en-US"/>
           </a:p>
@@ -1581,7 +1582,7 @@
           <a:p>
             <a:fld id="{18ED1853-EC6A-F244-8D3B-C13A21A74960}" type="datetimeFigureOut">
               <a:rPr lang="en-US" smtClean="0"/>
-              <a:t>11/14/22</a:t>
+              <a:t>11/19/22</a:t>
             </a:fld>
             <a:endParaRPr lang="en-US"/>
           </a:p>
@@ -1945,7 +1946,7 @@
           <a:p>
             <a:fld id="{18ED1853-EC6A-F244-8D3B-C13A21A74960}" type="datetimeFigureOut">
               <a:rPr lang="en-US" smtClean="0"/>
-              <a:t>11/14/22</a:t>
+              <a:t>11/19/22</a:t>
             </a:fld>
             <a:endParaRPr lang="en-US"/>
           </a:p>
@@ -2062,7 +2063,7 @@
           <a:p>
             <a:fld id="{18ED1853-EC6A-F244-8D3B-C13A21A74960}" type="datetimeFigureOut">
               <a:rPr lang="en-US" smtClean="0"/>
-              <a:t>11/14/22</a:t>
+              <a:t>11/19/22</a:t>
             </a:fld>
             <a:endParaRPr lang="en-US"/>
           </a:p>
@@ -2157,7 +2158,7 @@
           <a:p>
             <a:fld id="{18ED1853-EC6A-F244-8D3B-C13A21A74960}" type="datetimeFigureOut">
               <a:rPr lang="en-US" smtClean="0"/>
-              <a:t>11/14/22</a:t>
+              <a:t>11/19/22</a:t>
             </a:fld>
             <a:endParaRPr lang="en-US"/>
           </a:p>
@@ -2432,7 +2433,7 @@
           <a:p>
             <a:fld id="{18ED1853-EC6A-F244-8D3B-C13A21A74960}" type="datetimeFigureOut">
               <a:rPr lang="en-US" smtClean="0"/>
-              <a:t>11/14/22</a:t>
+              <a:t>11/19/22</a:t>
             </a:fld>
             <a:endParaRPr lang="en-US"/>
           </a:p>
@@ -2684,7 +2685,7 @@
           <a:p>
             <a:fld id="{18ED1853-EC6A-F244-8D3B-C13A21A74960}" type="datetimeFigureOut">
               <a:rPr lang="en-US" smtClean="0"/>
-              <a:t>11/14/22</a:t>
+              <a:t>11/19/22</a:t>
             </a:fld>
             <a:endParaRPr lang="en-US"/>
           </a:p>
@@ -2895,7 +2896,7 @@
           <a:p>
             <a:fld id="{18ED1853-EC6A-F244-8D3B-C13A21A74960}" type="datetimeFigureOut">
               <a:rPr lang="en-US" smtClean="0"/>
-              <a:t>11/14/22</a:t>
+              <a:t>11/19/22</a:t>
             </a:fld>
             <a:endParaRPr lang="en-US"/>
           </a:p>
@@ -3418,7 +3419,7 @@
         </p:nvSpPr>
         <p:spPr>
           <a:xfrm>
-            <a:off x="831254" y="2863391"/>
+            <a:off x="831254" y="3108489"/>
             <a:ext cx="1838227" cy="697584"/>
           </a:xfrm>
           <a:prstGeom prst="roundRect">
@@ -3521,7 +3522,7 @@
             </p:nvSpPr>
             <p:spPr>
               <a:xfrm>
-                <a:off x="755838" y="2218383"/>
+                <a:off x="755838" y="2538897"/>
                 <a:ext cx="2143792" cy="369332"/>
               </a:xfrm>
               <a:prstGeom prst="rect">
@@ -3723,7 +3724,7 @@
             </p:nvSpPr>
             <p:spPr>
               <a:xfrm>
-                <a:off x="755838" y="2218383"/>
+                <a:off x="755838" y="2538897"/>
                 <a:ext cx="2143792" cy="369332"/>
               </a:xfrm>
               <a:prstGeom prst="rect">
@@ -3800,8 +3801,8 @@
         </p:nvCxnSpPr>
         <p:spPr>
           <a:xfrm flipH="1" flipV="1">
-            <a:off x="1750368" y="3560975"/>
-            <a:ext cx="1" cy="460342"/>
+            <a:off x="1750368" y="3806073"/>
+            <a:ext cx="1" cy="215244"/>
           </a:xfrm>
           <a:prstGeom prst="straightConnector1">
             <a:avLst/>
@@ -3845,7 +3846,7 @@
         <p:spPr>
           <a:xfrm flipV="1">
             <a:off x="1741519" y="4718901"/>
-            <a:ext cx="0" cy="348471"/>
+            <a:ext cx="0" cy="183037"/>
           </a:xfrm>
           <a:prstGeom prst="straightConnector1">
             <a:avLst/>
@@ -3889,8 +3890,8 @@
         </p:nvCxnSpPr>
         <p:spPr>
           <a:xfrm>
-            <a:off x="2669481" y="3212183"/>
-            <a:ext cx="484685" cy="0"/>
+            <a:off x="2669481" y="3457281"/>
+            <a:ext cx="616663" cy="0"/>
           </a:xfrm>
           <a:prstGeom prst="straightConnector1">
             <a:avLst/>
@@ -3934,8 +3935,8 @@
         </p:nvCxnSpPr>
         <p:spPr>
           <a:xfrm>
-            <a:off x="1750368" y="2587715"/>
-            <a:ext cx="0" cy="275676"/>
+            <a:off x="1750368" y="2908229"/>
+            <a:ext cx="0" cy="200260"/>
           </a:xfrm>
           <a:prstGeom prst="straightConnector1">
             <a:avLst/>
@@ -3978,7 +3979,7 @@
             </p:nvSpPr>
             <p:spPr>
               <a:xfrm>
-                <a:off x="3154166" y="4000777"/>
+                <a:off x="2852510" y="3991350"/>
                 <a:ext cx="1461169" cy="369332"/>
               </a:xfrm>
               <a:prstGeom prst="rect">
@@ -4046,7 +4047,7 @@
             </p:nvSpPr>
             <p:spPr>
               <a:xfrm>
-                <a:off x="3154166" y="4000777"/>
+                <a:off x="2852510" y="3991350"/>
                 <a:ext cx="1461169" cy="369332"/>
               </a:xfrm>
               <a:prstGeom prst="rect">
@@ -4055,7 +4056,7 @@
               <a:blipFill>
                 <a:blip r:embed="rId3"/>
                 <a:stretch>
-                  <a:fillRect t="-6452" r="-2586" b="-22581"/>
+                  <a:fillRect t="-6667" r="-2586" b="-23333"/>
                 </a:stretch>
               </a:blipFill>
             </p:spPr>
@@ -4090,7 +4091,7 @@
             </p:nvSpPr>
             <p:spPr>
               <a:xfrm>
-                <a:off x="831254" y="4994577"/>
+                <a:off x="831254" y="4796612"/>
                 <a:ext cx="2025619" cy="369332"/>
               </a:xfrm>
               <a:prstGeom prst="rect">
@@ -4277,7 +4278,7 @@
             </p:nvSpPr>
             <p:spPr>
               <a:xfrm>
-                <a:off x="831254" y="4994577"/>
+                <a:off x="831254" y="4796612"/>
                 <a:ext cx="2025619" cy="369332"/>
               </a:xfrm>
               <a:prstGeom prst="rect">
@@ -4319,7 +4320,7 @@
         </p:nvSpPr>
         <p:spPr>
           <a:xfrm>
-            <a:off x="3263408" y="3044248"/>
+            <a:off x="3395386" y="3279919"/>
             <a:ext cx="335870" cy="335870"/>
           </a:xfrm>
           <a:prstGeom prst="rect">
@@ -4376,7 +4377,7 @@
         </p:nvSpPr>
         <p:spPr>
           <a:xfrm>
-            <a:off x="3770412" y="3044248"/>
+            <a:off x="3902390" y="3279919"/>
             <a:ext cx="335870" cy="335870"/>
           </a:xfrm>
           <a:prstGeom prst="rect">
@@ -4433,7 +4434,7 @@
         </p:nvSpPr>
         <p:spPr>
           <a:xfrm>
-            <a:off x="4277416" y="3044248"/>
+            <a:off x="4409394" y="3279919"/>
             <a:ext cx="335870" cy="335870"/>
           </a:xfrm>
           <a:prstGeom prst="rect">
@@ -4490,7 +4491,7 @@
         </p:nvSpPr>
         <p:spPr>
           <a:xfrm>
-            <a:off x="4784420" y="3044248"/>
+            <a:off x="4916398" y="3279919"/>
             <a:ext cx="335870" cy="335870"/>
           </a:xfrm>
           <a:prstGeom prst="rect">
@@ -4547,7 +4548,7 @@
         </p:nvSpPr>
         <p:spPr>
           <a:xfrm>
-            <a:off x="5291424" y="3044248"/>
+            <a:off x="5423402" y="3279919"/>
             <a:ext cx="335870" cy="335870"/>
           </a:xfrm>
           <a:prstGeom prst="rect">
@@ -4604,7 +4605,7 @@
         </p:nvSpPr>
         <p:spPr>
           <a:xfrm>
-            <a:off x="3193137" y="3477883"/>
+            <a:off x="3325115" y="3628711"/>
             <a:ext cx="476412" cy="369332"/>
           </a:xfrm>
           <a:prstGeom prst="rect">
@@ -4640,7 +4641,7 @@
         </p:nvSpPr>
         <p:spPr>
           <a:xfrm>
-            <a:off x="3697477" y="3471656"/>
+            <a:off x="3829455" y="3622484"/>
             <a:ext cx="476412" cy="369332"/>
           </a:xfrm>
           <a:prstGeom prst="rect">
@@ -4676,7 +4677,7 @@
         </p:nvSpPr>
         <p:spPr>
           <a:xfrm>
-            <a:off x="4204449" y="3458243"/>
+            <a:off x="4336427" y="3609071"/>
             <a:ext cx="476412" cy="369332"/>
           </a:xfrm>
           <a:prstGeom prst="rect">
@@ -4712,7 +4713,7 @@
         </p:nvSpPr>
         <p:spPr>
           <a:xfrm>
-            <a:off x="4680861" y="3464821"/>
+            <a:off x="4812839" y="3615649"/>
             <a:ext cx="593432" cy="369332"/>
           </a:xfrm>
           <a:prstGeom prst="rect">
@@ -4748,7 +4749,7 @@
         </p:nvSpPr>
         <p:spPr>
           <a:xfrm>
-            <a:off x="5201885" y="3464821"/>
+            <a:off x="5333863" y="3615649"/>
             <a:ext cx="593432" cy="369332"/>
           </a:xfrm>
           <a:prstGeom prst="rect">
@@ -4786,7 +4787,7 @@
             </p:nvSpPr>
             <p:spPr>
               <a:xfrm>
-                <a:off x="2669481" y="2220682"/>
+                <a:off x="2801459" y="2786296"/>
                 <a:ext cx="593432" cy="369332"/>
               </a:xfrm>
               <a:prstGeom prst="rect">
@@ -4842,7 +4843,7 @@
             </p:nvSpPr>
             <p:spPr>
               <a:xfrm>
-                <a:off x="2669481" y="2220682"/>
+                <a:off x="2801459" y="2786296"/>
                 <a:ext cx="593432" cy="369332"/>
               </a:xfrm>
               <a:prstGeom prst="rect">
@@ -4851,7 +4852,7 @@
               <a:blipFill>
                 <a:blip r:embed="rId5"/>
                 <a:stretch>
-                  <a:fillRect l="-4255" b="-12903"/>
+                  <a:fillRect l="-4167" b="-13333"/>
                 </a:stretch>
               </a:blipFill>
             </p:spPr>
@@ -4884,7 +4885,7 @@
         </p:nvSpPr>
         <p:spPr>
           <a:xfrm>
-            <a:off x="2938110" y="2609221"/>
+            <a:off x="3070088" y="3014577"/>
             <a:ext cx="300082" cy="369332"/>
           </a:xfrm>
           <a:prstGeom prst="rect">
@@ -4920,7 +4921,7 @@
         </p:nvSpPr>
         <p:spPr>
           <a:xfrm>
-            <a:off x="3155052" y="2224610"/>
+            <a:off x="3287030" y="2790224"/>
             <a:ext cx="546945" cy="369332"/>
           </a:xfrm>
           <a:prstGeom prst="rect">
@@ -4956,7 +4957,7 @@
         </p:nvSpPr>
         <p:spPr>
           <a:xfrm>
-            <a:off x="3667646" y="2218383"/>
+            <a:off x="3799624" y="2783997"/>
             <a:ext cx="593432" cy="369332"/>
           </a:xfrm>
           <a:prstGeom prst="rect">
@@ -4992,7 +4993,7 @@
         </p:nvSpPr>
         <p:spPr>
           <a:xfrm>
-            <a:off x="4175791" y="2214397"/>
+            <a:off x="4307769" y="2780011"/>
             <a:ext cx="476412" cy="369332"/>
           </a:xfrm>
           <a:prstGeom prst="rect">
@@ -5028,7 +5029,7 @@
         </p:nvSpPr>
         <p:spPr>
           <a:xfrm>
-            <a:off x="4642776" y="2220975"/>
+            <a:off x="4774754" y="2786589"/>
             <a:ext cx="593432" cy="369332"/>
           </a:xfrm>
           <a:prstGeom prst="rect">
@@ -5064,7 +5065,7 @@
         </p:nvSpPr>
         <p:spPr>
           <a:xfrm>
-            <a:off x="5163800" y="2220975"/>
+            <a:off x="5295778" y="2786589"/>
             <a:ext cx="593432" cy="369332"/>
           </a:xfrm>
           <a:prstGeom prst="rect">
@@ -5100,7 +5101,7 @@
         </p:nvSpPr>
         <p:spPr>
           <a:xfrm>
-            <a:off x="2911823" y="1869592"/>
+            <a:off x="3024947" y="2501195"/>
             <a:ext cx="300082" cy="369332"/>
           </a:xfrm>
           <a:prstGeom prst="rect">
@@ -5136,7 +5137,7 @@
         </p:nvSpPr>
         <p:spPr>
           <a:xfrm>
-            <a:off x="3171390" y="1859147"/>
+            <a:off x="3341076" y="2490750"/>
             <a:ext cx="476412" cy="369332"/>
           </a:xfrm>
           <a:prstGeom prst="rect">
@@ -5172,7 +5173,7 @@
         </p:nvSpPr>
         <p:spPr>
           <a:xfrm>
-            <a:off x="3683984" y="1852920"/>
+            <a:off x="3797108" y="2484523"/>
             <a:ext cx="593432" cy="369332"/>
           </a:xfrm>
           <a:prstGeom prst="rect">
@@ -5208,7 +5209,7 @@
         </p:nvSpPr>
         <p:spPr>
           <a:xfrm>
-            <a:off x="4192129" y="1848934"/>
+            <a:off x="4305253" y="2480537"/>
             <a:ext cx="476412" cy="369332"/>
           </a:xfrm>
           <a:prstGeom prst="rect">
@@ -5244,7 +5245,7 @@
         </p:nvSpPr>
         <p:spPr>
           <a:xfrm>
-            <a:off x="4659114" y="1855512"/>
+            <a:off x="4772238" y="2487115"/>
             <a:ext cx="593432" cy="369332"/>
           </a:xfrm>
           <a:prstGeom prst="rect">
@@ -5280,7 +5281,7 @@
         </p:nvSpPr>
         <p:spPr>
           <a:xfrm>
-            <a:off x="5180138" y="1855512"/>
+            <a:off x="5293262" y="2487115"/>
             <a:ext cx="593432" cy="369332"/>
           </a:xfrm>
           <a:prstGeom prst="rect">
@@ -5316,8 +5317,8 @@
         </p:nvSpPr>
         <p:spPr>
           <a:xfrm>
-            <a:off x="3647751" y="1706251"/>
-            <a:ext cx="626854" cy="2238729"/>
+            <a:off x="3779729" y="2394408"/>
+            <a:ext cx="593432" cy="1644842"/>
           </a:xfrm>
           <a:prstGeom prst="ellipse">
             <a:avLst/>
@@ -5358,6 +5359,2090 @@
     <p:extLst>
       <p:ext uri="{BB962C8B-B14F-4D97-AF65-F5344CB8AC3E}">
         <p14:creationId xmlns:p14="http://schemas.microsoft.com/office/powerpoint/2010/main" val="1512912224"/>
+      </p:ext>
+    </p:extLst>
+  </p:cSld>
+  <p:clrMapOvr>
+    <a:masterClrMapping/>
+  </p:clrMapOvr>
+</p:sld>
+</file>
+
+<file path=ppt/slides/slide2.xml><?xml version="1.0" encoding="utf-8"?>
+<p:sld xmlns:a="http://schemas.openxmlformats.org/drawingml/2006/main" xmlns:r="http://schemas.openxmlformats.org/officeDocument/2006/relationships" xmlns:p="http://schemas.openxmlformats.org/presentationml/2006/main">
+  <p:cSld>
+    <p:spTree>
+      <p:nvGrpSpPr>
+        <p:cNvPr id="1" name=""/>
+        <p:cNvGrpSpPr/>
+        <p:nvPr/>
+      </p:nvGrpSpPr>
+      <p:grpSpPr>
+        <a:xfrm>
+          <a:off x="0" y="0"/>
+          <a:ext cx="0" cy="0"/>
+          <a:chOff x="0" y="0"/>
+          <a:chExt cx="0" cy="0"/>
+        </a:xfrm>
+      </p:grpSpPr>
+      <p:sp>
+        <p:nvSpPr>
+          <p:cNvPr id="5" name="圆角矩形 4">
+            <a:extLst>
+              <a:ext uri="{FF2B5EF4-FFF2-40B4-BE49-F238E27FC236}">
+                <a16:creationId xmlns:a16="http://schemas.microsoft.com/office/drawing/2014/main" id="{E1D45CD9-635B-8203-3BFE-3763525C941F}"/>
+              </a:ext>
+            </a:extLst>
+          </p:cNvPr>
+          <p:cNvSpPr/>
+          <p:nvPr/>
+        </p:nvSpPr>
+        <p:spPr>
+          <a:xfrm>
+            <a:off x="831255" y="4021317"/>
+            <a:ext cx="1838227" cy="697584"/>
+          </a:xfrm>
+          <a:prstGeom prst="roundRect">
+            <a:avLst/>
+          </a:prstGeom>
+          <a:solidFill>
+            <a:schemeClr val="accent6">
+              <a:lumMod val="60000"/>
+              <a:lumOff val="40000"/>
+            </a:schemeClr>
+          </a:solidFill>
+          <a:ln w="19050">
+            <a:solidFill>
+              <a:schemeClr val="tx1"/>
+            </a:solidFill>
+          </a:ln>
+        </p:spPr>
+        <p:style>
+          <a:lnRef idx="2">
+            <a:schemeClr val="accent1">
+              <a:shade val="50000"/>
+            </a:schemeClr>
+          </a:lnRef>
+          <a:fillRef idx="1">
+            <a:schemeClr val="accent1"/>
+          </a:fillRef>
+          <a:effectRef idx="0">
+            <a:schemeClr val="accent1"/>
+          </a:effectRef>
+          <a:fontRef idx="minor">
+            <a:schemeClr val="lt1"/>
+          </a:fontRef>
+        </p:style>
+        <p:txBody>
+          <a:bodyPr rtlCol="0" anchor="ctr"/>
+          <a:lstStyle/>
+          <a:p>
+            <a:pPr algn="ctr"/>
+            <a:r>
+              <a:rPr kumimoji="1" lang="en-US" altLang="zh-CN" dirty="0">
+                <a:ln w="0"/>
+                <a:solidFill>
+                  <a:schemeClr val="tx1"/>
+                </a:solidFill>
+                <a:effectLst>
+                  <a:outerShdw blurRad="38100" dist="19050" dir="2700000" algn="tl" rotWithShape="0">
+                    <a:schemeClr val="dk1">
+                      <a:alpha val="40000"/>
+                    </a:schemeClr>
+                  </a:outerShdw>
+                </a:effectLst>
+              </a:rPr>
+              <a:t>Transformer</a:t>
+            </a:r>
+          </a:p>
+          <a:p>
+            <a:pPr algn="ctr"/>
+            <a:r>
+              <a:rPr kumimoji="1" lang="en-US" altLang="zh-CN" dirty="0">
+                <a:ln w="0"/>
+                <a:solidFill>
+                  <a:schemeClr val="tx1"/>
+                </a:solidFill>
+                <a:effectLst>
+                  <a:outerShdw blurRad="38100" dist="19050" dir="2700000" algn="tl" rotWithShape="0">
+                    <a:schemeClr val="dk1">
+                      <a:alpha val="40000"/>
+                    </a:schemeClr>
+                  </a:outerShdw>
+                </a:effectLst>
+              </a:rPr>
+              <a:t>Encoder</a:t>
+            </a:r>
+            <a:endParaRPr kumimoji="1" lang="zh-CN" altLang="en-US" dirty="0">
+              <a:ln w="0"/>
+              <a:solidFill>
+                <a:schemeClr val="tx1"/>
+              </a:solidFill>
+              <a:effectLst>
+                <a:outerShdw blurRad="38100" dist="19050" dir="2700000" algn="tl" rotWithShape="0">
+                  <a:schemeClr val="dk1">
+                    <a:alpha val="40000"/>
+                  </a:schemeClr>
+                </a:outerShdw>
+              </a:effectLst>
+            </a:endParaRPr>
+          </a:p>
+        </p:txBody>
+      </p:sp>
+      <p:sp>
+        <p:nvSpPr>
+          <p:cNvPr id="6" name="圆角矩形 5">
+            <a:extLst>
+              <a:ext uri="{FF2B5EF4-FFF2-40B4-BE49-F238E27FC236}">
+                <a16:creationId xmlns:a16="http://schemas.microsoft.com/office/drawing/2014/main" id="{426E6CA6-82D6-FBC0-741E-6EE171A752DF}"/>
+              </a:ext>
+            </a:extLst>
+          </p:cNvPr>
+          <p:cNvSpPr/>
+          <p:nvPr/>
+        </p:nvSpPr>
+        <p:spPr>
+          <a:xfrm>
+            <a:off x="831254" y="3108489"/>
+            <a:ext cx="1838227" cy="697584"/>
+          </a:xfrm>
+          <a:prstGeom prst="roundRect">
+            <a:avLst/>
+          </a:prstGeom>
+          <a:solidFill>
+            <a:srgbClr val="00B0F0"/>
+          </a:solidFill>
+          <a:ln w="19050">
+            <a:solidFill>
+              <a:schemeClr val="tx1"/>
+            </a:solidFill>
+          </a:ln>
+        </p:spPr>
+        <p:style>
+          <a:lnRef idx="2">
+            <a:schemeClr val="accent1">
+              <a:shade val="50000"/>
+            </a:schemeClr>
+          </a:lnRef>
+          <a:fillRef idx="1">
+            <a:schemeClr val="accent1"/>
+          </a:fillRef>
+          <a:effectRef idx="0">
+            <a:schemeClr val="accent1"/>
+          </a:effectRef>
+          <a:fontRef idx="minor">
+            <a:schemeClr val="lt1"/>
+          </a:fontRef>
+        </p:style>
+        <p:txBody>
+          <a:bodyPr rtlCol="0" anchor="ctr"/>
+          <a:lstStyle/>
+          <a:p>
+            <a:pPr algn="ctr"/>
+            <a:r>
+              <a:rPr kumimoji="1" lang="en-US" altLang="zh-CN" dirty="0">
+                <a:ln w="0"/>
+                <a:solidFill>
+                  <a:schemeClr val="tx1"/>
+                </a:solidFill>
+                <a:effectLst>
+                  <a:outerShdw blurRad="38100" dist="19050" dir="2700000" algn="tl" rotWithShape="0">
+                    <a:schemeClr val="dk1">
+                      <a:alpha val="40000"/>
+                    </a:schemeClr>
+                  </a:outerShdw>
+                </a:effectLst>
+              </a:rPr>
+              <a:t>Transformer</a:t>
+            </a:r>
+          </a:p>
+          <a:p>
+            <a:pPr algn="ctr"/>
+            <a:r>
+              <a:rPr kumimoji="1" lang="en-US" altLang="zh-CN" dirty="0">
+                <a:ln w="0"/>
+                <a:solidFill>
+                  <a:schemeClr val="tx1"/>
+                </a:solidFill>
+                <a:effectLst>
+                  <a:outerShdw blurRad="38100" dist="19050" dir="2700000" algn="tl" rotWithShape="0">
+                    <a:schemeClr val="dk1">
+                      <a:alpha val="40000"/>
+                    </a:schemeClr>
+                  </a:outerShdw>
+                </a:effectLst>
+              </a:rPr>
+              <a:t>Decoder</a:t>
+            </a:r>
+            <a:endParaRPr kumimoji="1" lang="zh-CN" altLang="en-US" dirty="0">
+              <a:ln w="0"/>
+              <a:solidFill>
+                <a:schemeClr val="tx1"/>
+              </a:solidFill>
+              <a:effectLst>
+                <a:outerShdw blurRad="38100" dist="19050" dir="2700000" algn="tl" rotWithShape="0">
+                  <a:schemeClr val="dk1">
+                    <a:alpha val="40000"/>
+                  </a:schemeClr>
+                </a:outerShdw>
+              </a:effectLst>
+            </a:endParaRPr>
+          </a:p>
+        </p:txBody>
+      </p:sp>
+      <mc:AlternateContent xmlns:mc="http://schemas.openxmlformats.org/markup-compatibility/2006">
+        <mc:Choice xmlns:a14="http://schemas.microsoft.com/office/drawing/2010/main" Requires="a14">
+          <p:sp>
+            <p:nvSpPr>
+              <p:cNvPr id="16" name="矩形 15">
+                <a:extLst>
+                  <a:ext uri="{FF2B5EF4-FFF2-40B4-BE49-F238E27FC236}">
+                    <a16:creationId xmlns:a16="http://schemas.microsoft.com/office/drawing/2014/main" id="{7CD3EFC3-D28B-5463-7C1B-3193582E26E1}"/>
+                  </a:ext>
+                </a:extLst>
+              </p:cNvPr>
+              <p:cNvSpPr/>
+              <p:nvPr/>
+            </p:nvSpPr>
+            <p:spPr>
+              <a:xfrm>
+                <a:off x="755838" y="2538897"/>
+                <a:ext cx="2143792" cy="369332"/>
+              </a:xfrm>
+              <a:prstGeom prst="rect">
+                <a:avLst/>
+              </a:prstGeom>
+            </p:spPr>
+            <p:txBody>
+              <a:bodyPr wrap="none">
+                <a:spAutoFit/>
+              </a:bodyPr>
+              <a:lstStyle/>
+              <a:p>
+                <a14:m>
+                  <m:oMath xmlns:m="http://schemas.openxmlformats.org/officeDocument/2006/math">
+                    <m:sSub>
+                      <m:sSubPr>
+                        <m:ctrlPr>
+                          <a:rPr lang="en-US" altLang="zh-CN" b="0" i="1" smtClean="0">
+                            <a:latin typeface="Cambria Math" panose="02040503050406030204" pitchFamily="18" charset="0"/>
+                          </a:rPr>
+                        </m:ctrlPr>
+                      </m:sSubPr>
+                      <m:e>
+                        <m:r>
+                          <a:rPr lang="en-US" altLang="zh-CN" b="0" i="1" smtClean="0">
+                            <a:latin typeface="Cambria Math" panose="02040503050406030204" pitchFamily="18" charset="0"/>
+                          </a:rPr>
+                          <m:t>𝑦</m:t>
+                        </m:r>
+                      </m:e>
+                      <m:sub>
+                        <m:r>
+                          <a:rPr lang="en-US" altLang="zh-CN" b="0" i="1" smtClean="0">
+                            <a:latin typeface="Cambria Math" panose="02040503050406030204" pitchFamily="18" charset="0"/>
+                          </a:rPr>
+                          <m:t>0</m:t>
+                        </m:r>
+                      </m:sub>
+                    </m:sSub>
+                  </m:oMath>
+                </a14:m>
+                <a:r>
+                  <a:rPr lang="en-US" altLang="zh-CN" dirty="0"/>
+                  <a:t>, </a:t>
+                </a:r>
+                <a14:m>
+                  <m:oMath xmlns:m="http://schemas.openxmlformats.org/officeDocument/2006/math">
+                    <m:sSub>
+                      <m:sSubPr>
+                        <m:ctrlPr>
+                          <a:rPr lang="en-US" altLang="zh-CN" i="1">
+                            <a:latin typeface="Cambria Math" panose="02040503050406030204" pitchFamily="18" charset="0"/>
+                          </a:rPr>
+                        </m:ctrlPr>
+                      </m:sSubPr>
+                      <m:e>
+                        <m:r>
+                          <a:rPr lang="en-US" altLang="zh-CN" i="1">
+                            <a:latin typeface="Cambria Math" panose="02040503050406030204" pitchFamily="18" charset="0"/>
+                          </a:rPr>
+                          <m:t>𝑦</m:t>
+                        </m:r>
+                      </m:e>
+                      <m:sub>
+                        <m:r>
+                          <a:rPr lang="en-US" altLang="zh-CN" b="0" i="1" smtClean="0">
+                            <a:latin typeface="Cambria Math" panose="02040503050406030204" pitchFamily="18" charset="0"/>
+                          </a:rPr>
+                          <m:t>1</m:t>
+                        </m:r>
+                      </m:sub>
+                    </m:sSub>
+                  </m:oMath>
+                </a14:m>
+                <a:r>
+                  <a:rPr lang="en-US" altLang="zh-CN" dirty="0"/>
+                  <a:t>, </a:t>
+                </a:r>
+                <a14:m>
+                  <m:oMath xmlns:m="http://schemas.openxmlformats.org/officeDocument/2006/math">
+                    <m:sSub>
+                      <m:sSubPr>
+                        <m:ctrlPr>
+                          <a:rPr lang="en-US" altLang="zh-CN" i="1">
+                            <a:latin typeface="Cambria Math" panose="02040503050406030204" pitchFamily="18" charset="0"/>
+                          </a:rPr>
+                        </m:ctrlPr>
+                      </m:sSubPr>
+                      <m:e>
+                        <m:r>
+                          <a:rPr lang="en-US" altLang="zh-CN" i="1">
+                            <a:latin typeface="Cambria Math" panose="02040503050406030204" pitchFamily="18" charset="0"/>
+                          </a:rPr>
+                          <m:t>𝑦</m:t>
+                        </m:r>
+                      </m:e>
+                      <m:sub>
+                        <m:r>
+                          <a:rPr lang="en-US" altLang="zh-CN" b="0" i="1" smtClean="0">
+                            <a:latin typeface="Cambria Math" panose="02040503050406030204" pitchFamily="18" charset="0"/>
+                          </a:rPr>
+                          <m:t>2</m:t>
+                        </m:r>
+                      </m:sub>
+                    </m:sSub>
+                  </m:oMath>
+                </a14:m>
+                <a:r>
+                  <a:rPr lang="en-US" altLang="zh-CN" dirty="0"/>
+                  <a:t>, </a:t>
+                </a:r>
+                <a14:m>
+                  <m:oMath xmlns:m="http://schemas.openxmlformats.org/officeDocument/2006/math">
+                    <m:sSub>
+                      <m:sSubPr>
+                        <m:ctrlPr>
+                          <a:rPr lang="en-US" altLang="zh-CN" i="1">
+                            <a:latin typeface="Cambria Math" panose="02040503050406030204" pitchFamily="18" charset="0"/>
+                          </a:rPr>
+                        </m:ctrlPr>
+                      </m:sSubPr>
+                      <m:e>
+                        <m:r>
+                          <a:rPr lang="en-US" altLang="zh-CN" i="1">
+                            <a:latin typeface="Cambria Math" panose="02040503050406030204" pitchFamily="18" charset="0"/>
+                          </a:rPr>
+                          <m:t>𝑦</m:t>
+                        </m:r>
+                      </m:e>
+                      <m:sub>
+                        <m:r>
+                          <a:rPr lang="en-US" altLang="zh-CN" b="0" i="1" smtClean="0">
+                            <a:latin typeface="Cambria Math" panose="02040503050406030204" pitchFamily="18" charset="0"/>
+                          </a:rPr>
+                          <m:t>3</m:t>
+                        </m:r>
+                      </m:sub>
+                    </m:sSub>
+                  </m:oMath>
+                </a14:m>
+                <a:r>
+                  <a:rPr lang="en-US" altLang="zh-CN" dirty="0"/>
+                  <a:t>… </a:t>
+                </a:r>
+                <a14:m>
+                  <m:oMath xmlns:m="http://schemas.openxmlformats.org/officeDocument/2006/math">
+                    <m:sSub>
+                      <m:sSubPr>
+                        <m:ctrlPr>
+                          <a:rPr lang="en-US" altLang="zh-CN" i="1">
+                            <a:latin typeface="Cambria Math" panose="02040503050406030204" pitchFamily="18" charset="0"/>
+                          </a:rPr>
+                        </m:ctrlPr>
+                      </m:sSubPr>
+                      <m:e>
+                        <m:r>
+                          <a:rPr lang="en-US" altLang="zh-CN" i="1">
+                            <a:latin typeface="Cambria Math" panose="02040503050406030204" pitchFamily="18" charset="0"/>
+                          </a:rPr>
+                          <m:t>𝑦</m:t>
+                        </m:r>
+                      </m:e>
+                      <m:sub>
+                        <m:r>
+                          <a:rPr lang="en-US" altLang="zh-CN" b="0" i="1" smtClean="0">
+                            <a:latin typeface="Cambria Math" panose="02040503050406030204" pitchFamily="18" charset="0"/>
+                          </a:rPr>
+                          <m:t>𝑡</m:t>
+                        </m:r>
+                        <m:r>
+                          <a:rPr lang="en-US" altLang="zh-CN" b="0" i="1" smtClean="0">
+                            <a:latin typeface="Cambria Math" panose="02040503050406030204" pitchFamily="18" charset="0"/>
+                          </a:rPr>
+                          <m:t>−1</m:t>
+                        </m:r>
+                      </m:sub>
+                    </m:sSub>
+                  </m:oMath>
+                </a14:m>
+                <a:endParaRPr lang="zh-CN" altLang="en-US" dirty="0"/>
+              </a:p>
+            </p:txBody>
+          </p:sp>
+        </mc:Choice>
+        <mc:Fallback>
+          <p:sp>
+            <p:nvSpPr>
+              <p:cNvPr id="16" name="矩形 15">
+                <a:extLst>
+                  <a:ext uri="{FF2B5EF4-FFF2-40B4-BE49-F238E27FC236}">
+                    <a16:creationId xmlns:a16="http://schemas.microsoft.com/office/drawing/2014/main" id="{7CD3EFC3-D28B-5463-7C1B-3193582E26E1}"/>
+                  </a:ext>
+                </a:extLst>
+              </p:cNvPr>
+              <p:cNvSpPr>
+                <a:spLocks noRot="1" noChangeAspect="1" noMove="1" noResize="1" noEditPoints="1" noAdjustHandles="1" noChangeArrowheads="1" noChangeShapeType="1" noTextEdit="1"/>
+              </p:cNvSpPr>
+              <p:nvPr/>
+            </p:nvSpPr>
+            <p:spPr>
+              <a:xfrm>
+                <a:off x="755838" y="2538897"/>
+                <a:ext cx="2143792" cy="369332"/>
+              </a:xfrm>
+              <a:prstGeom prst="rect">
+                <a:avLst/>
+              </a:prstGeom>
+              <a:blipFill>
+                <a:blip r:embed="rId2"/>
+                <a:stretch>
+                  <a:fillRect t="-6667" b="-26667"/>
+                </a:stretch>
+              </a:blipFill>
+            </p:spPr>
+            <p:txBody>
+              <a:bodyPr/>
+              <a:lstStyle/>
+              <a:p>
+                <a:r>
+                  <a:rPr lang="zh-CN" altLang="en-US">
+                    <a:noFill/>
+                  </a:rPr>
+                  <a:t> </a:t>
+                </a:r>
+              </a:p>
+            </p:txBody>
+          </p:sp>
+        </mc:Fallback>
+      </mc:AlternateContent>
+      <p:sp>
+        <p:nvSpPr>
+          <p:cNvPr id="22" name="文本框 21">
+            <a:extLst>
+              <a:ext uri="{FF2B5EF4-FFF2-40B4-BE49-F238E27FC236}">
+                <a16:creationId xmlns:a16="http://schemas.microsoft.com/office/drawing/2014/main" id="{828EE1F4-0CF3-E1AC-9EA8-0B9A52D71811}"/>
+              </a:ext>
+            </a:extLst>
+          </p:cNvPr>
+          <p:cNvSpPr txBox="1"/>
+          <p:nvPr/>
+        </p:nvSpPr>
+        <p:spPr>
+          <a:xfrm>
+            <a:off x="3921551" y="-669303"/>
+            <a:ext cx="184731" cy="369332"/>
+          </a:xfrm>
+          <a:prstGeom prst="rect">
+            <a:avLst/>
+          </a:prstGeom>
+          <a:noFill/>
+        </p:spPr>
+        <p:txBody>
+          <a:bodyPr wrap="none" rtlCol="0">
+            <a:spAutoFit/>
+          </a:bodyPr>
+          <a:lstStyle/>
+          <a:p>
+            <a:endParaRPr kumimoji="1" lang="zh-CN" altLang="en-US" dirty="0"/>
+          </a:p>
+        </p:txBody>
+      </p:sp>
+      <p:cxnSp>
+        <p:nvCxnSpPr>
+          <p:cNvPr id="26" name="直线箭头连接符 25">
+            <a:extLst>
+              <a:ext uri="{FF2B5EF4-FFF2-40B4-BE49-F238E27FC236}">
+                <a16:creationId xmlns:a16="http://schemas.microsoft.com/office/drawing/2014/main" id="{C21FD8CE-F838-FE9A-A881-49FC1E373623}"/>
+              </a:ext>
+            </a:extLst>
+          </p:cNvPr>
+          <p:cNvCxnSpPr>
+            <a:stCxn id="5" idx="0"/>
+            <a:endCxn id="6" idx="2"/>
+          </p:cNvCxnSpPr>
+          <p:nvPr/>
+        </p:nvCxnSpPr>
+        <p:spPr>
+          <a:xfrm flipH="1" flipV="1">
+            <a:off x="1750368" y="3806073"/>
+            <a:ext cx="1" cy="215244"/>
+          </a:xfrm>
+          <a:prstGeom prst="straightConnector1">
+            <a:avLst/>
+          </a:prstGeom>
+          <a:ln w="19050">
+            <a:solidFill>
+              <a:schemeClr val="tx1"/>
+            </a:solidFill>
+            <a:tailEnd type="triangle"/>
+          </a:ln>
+        </p:spPr>
+        <p:style>
+          <a:lnRef idx="1">
+            <a:schemeClr val="accent1"/>
+          </a:lnRef>
+          <a:fillRef idx="0">
+            <a:schemeClr val="accent1"/>
+          </a:fillRef>
+          <a:effectRef idx="0">
+            <a:schemeClr val="accent1"/>
+          </a:effectRef>
+          <a:fontRef idx="minor">
+            <a:schemeClr val="tx1"/>
+          </a:fontRef>
+        </p:style>
+      </p:cxnSp>
+      <p:cxnSp>
+        <p:nvCxnSpPr>
+          <p:cNvPr id="27" name="直线箭头连接符 26">
+            <a:extLst>
+              <a:ext uri="{FF2B5EF4-FFF2-40B4-BE49-F238E27FC236}">
+                <a16:creationId xmlns:a16="http://schemas.microsoft.com/office/drawing/2014/main" id="{E15B6DF0-0A0E-4F49-D6A3-0C8CB34787A6}"/>
+              </a:ext>
+            </a:extLst>
+          </p:cNvPr>
+          <p:cNvCxnSpPr>
+            <a:cxnSpLocks/>
+          </p:cNvCxnSpPr>
+          <p:nvPr/>
+        </p:nvCxnSpPr>
+        <p:spPr>
+          <a:xfrm flipV="1">
+            <a:off x="1741519" y="4718901"/>
+            <a:ext cx="0" cy="183037"/>
+          </a:xfrm>
+          <a:prstGeom prst="straightConnector1">
+            <a:avLst/>
+          </a:prstGeom>
+          <a:ln w="19050">
+            <a:solidFill>
+              <a:schemeClr val="tx1"/>
+            </a:solidFill>
+            <a:tailEnd type="triangle"/>
+          </a:ln>
+        </p:spPr>
+        <p:style>
+          <a:lnRef idx="1">
+            <a:schemeClr val="accent1"/>
+          </a:lnRef>
+          <a:fillRef idx="0">
+            <a:schemeClr val="accent1"/>
+          </a:fillRef>
+          <a:effectRef idx="0">
+            <a:schemeClr val="accent1"/>
+          </a:effectRef>
+          <a:fontRef idx="minor">
+            <a:schemeClr val="tx1"/>
+          </a:fontRef>
+        </p:style>
+      </p:cxnSp>
+      <p:cxnSp>
+        <p:nvCxnSpPr>
+          <p:cNvPr id="30" name="直线箭头连接符 29">
+            <a:extLst>
+              <a:ext uri="{FF2B5EF4-FFF2-40B4-BE49-F238E27FC236}">
+                <a16:creationId xmlns:a16="http://schemas.microsoft.com/office/drawing/2014/main" id="{CF5CA6DE-4CA3-81CD-B612-DC789CDCF5A2}"/>
+              </a:ext>
+            </a:extLst>
+          </p:cNvPr>
+          <p:cNvCxnSpPr>
+            <a:cxnSpLocks/>
+            <a:stCxn id="6" idx="3"/>
+          </p:cNvCxnSpPr>
+          <p:nvPr/>
+        </p:nvCxnSpPr>
+        <p:spPr>
+          <a:xfrm>
+            <a:off x="2669481" y="3457281"/>
+            <a:ext cx="616663" cy="0"/>
+          </a:xfrm>
+          <a:prstGeom prst="straightConnector1">
+            <a:avLst/>
+          </a:prstGeom>
+          <a:ln w="19050">
+            <a:solidFill>
+              <a:schemeClr val="tx1"/>
+            </a:solidFill>
+            <a:tailEnd type="triangle"/>
+          </a:ln>
+        </p:spPr>
+        <p:style>
+          <a:lnRef idx="1">
+            <a:schemeClr val="accent1"/>
+          </a:lnRef>
+          <a:fillRef idx="0">
+            <a:schemeClr val="accent1"/>
+          </a:fillRef>
+          <a:effectRef idx="0">
+            <a:schemeClr val="accent1"/>
+          </a:effectRef>
+          <a:fontRef idx="minor">
+            <a:schemeClr val="tx1"/>
+          </a:fontRef>
+        </p:style>
+      </p:cxnSp>
+      <p:cxnSp>
+        <p:nvCxnSpPr>
+          <p:cNvPr id="4" name="直线箭头连接符 3">
+            <a:extLst>
+              <a:ext uri="{FF2B5EF4-FFF2-40B4-BE49-F238E27FC236}">
+                <a16:creationId xmlns:a16="http://schemas.microsoft.com/office/drawing/2014/main" id="{9023E7EE-0C9A-7824-6E04-7165AF576D5E}"/>
+              </a:ext>
+            </a:extLst>
+          </p:cNvPr>
+          <p:cNvCxnSpPr>
+            <a:cxnSpLocks/>
+            <a:endCxn id="6" idx="0"/>
+          </p:cNvCxnSpPr>
+          <p:nvPr/>
+        </p:nvCxnSpPr>
+        <p:spPr>
+          <a:xfrm>
+            <a:off x="1750368" y="2908229"/>
+            <a:ext cx="0" cy="200260"/>
+          </a:xfrm>
+          <a:prstGeom prst="straightConnector1">
+            <a:avLst/>
+          </a:prstGeom>
+          <a:ln w="19050">
+            <a:solidFill>
+              <a:schemeClr val="tx1"/>
+            </a:solidFill>
+            <a:tailEnd type="triangle"/>
+          </a:ln>
+        </p:spPr>
+        <p:style>
+          <a:lnRef idx="1">
+            <a:schemeClr val="accent1"/>
+          </a:lnRef>
+          <a:fillRef idx="0">
+            <a:schemeClr val="accent1"/>
+          </a:fillRef>
+          <a:effectRef idx="0">
+            <a:schemeClr val="accent1"/>
+          </a:effectRef>
+          <a:fontRef idx="minor">
+            <a:schemeClr val="tx1"/>
+          </a:fontRef>
+        </p:style>
+      </p:cxnSp>
+      <mc:AlternateContent xmlns:mc="http://schemas.openxmlformats.org/markup-compatibility/2006">
+        <mc:Choice xmlns:a14="http://schemas.microsoft.com/office/drawing/2010/main" Requires="a14">
+          <p:sp>
+            <p:nvSpPr>
+              <p:cNvPr id="12" name="矩形 11">
+                <a:extLst>
+                  <a:ext uri="{FF2B5EF4-FFF2-40B4-BE49-F238E27FC236}">
+                    <a16:creationId xmlns:a16="http://schemas.microsoft.com/office/drawing/2014/main" id="{D89FAA08-320B-F036-CFCA-975498E28AC2}"/>
+                  </a:ext>
+                </a:extLst>
+              </p:cNvPr>
+              <p:cNvSpPr/>
+              <p:nvPr/>
+            </p:nvSpPr>
+            <p:spPr>
+              <a:xfrm>
+                <a:off x="2852510" y="3991350"/>
+                <a:ext cx="1461169" cy="369332"/>
+              </a:xfrm>
+              <a:prstGeom prst="rect">
+                <a:avLst/>
+              </a:prstGeom>
+            </p:spPr>
+            <p:txBody>
+              <a:bodyPr wrap="none">
+                <a:spAutoFit/>
+              </a:bodyPr>
+              <a:lstStyle/>
+              <a:p>
+                <a14:m>
+                  <m:oMath xmlns:m="http://schemas.openxmlformats.org/officeDocument/2006/math">
+                    <m:sSub>
+                      <m:sSubPr>
+                        <m:ctrlPr>
+                          <a:rPr lang="en-US" altLang="zh-CN" b="0" i="1" smtClean="0">
+                            <a:latin typeface="Cambria Math" panose="02040503050406030204" pitchFamily="18" charset="0"/>
+                          </a:rPr>
+                        </m:ctrlPr>
+                      </m:sSubPr>
+                      <m:e>
+                        <m:r>
+                          <a:rPr lang="en-US" altLang="zh-CN" b="0" i="1" smtClean="0">
+                            <a:latin typeface="Cambria Math" panose="02040503050406030204" pitchFamily="18" charset="0"/>
+                          </a:rPr>
+                          <m:t>𝑦</m:t>
+                        </m:r>
+                      </m:e>
+                      <m:sub>
+                        <m:r>
+                          <a:rPr lang="en-US" altLang="zh-CN" b="0" i="1" smtClean="0">
+                            <a:latin typeface="Cambria Math" panose="02040503050406030204" pitchFamily="18" charset="0"/>
+                          </a:rPr>
+                          <m:t>𝑡</m:t>
+                        </m:r>
+                      </m:sub>
+                    </m:sSub>
+                  </m:oMath>
+                </a14:m>
+                <a:r>
+                  <a:rPr lang="en-US" altLang="zh-CN" dirty="0"/>
+                  <a:t> candidates</a:t>
+                </a:r>
+                <a:endParaRPr lang="zh-CN" altLang="en-US" dirty="0"/>
+              </a:p>
+            </p:txBody>
+          </p:sp>
+        </mc:Choice>
+        <mc:Fallback>
+          <p:sp>
+            <p:nvSpPr>
+              <p:cNvPr id="12" name="矩形 11">
+                <a:extLst>
+                  <a:ext uri="{FF2B5EF4-FFF2-40B4-BE49-F238E27FC236}">
+                    <a16:creationId xmlns:a16="http://schemas.microsoft.com/office/drawing/2014/main" id="{D89FAA08-320B-F036-CFCA-975498E28AC2}"/>
+                  </a:ext>
+                </a:extLst>
+              </p:cNvPr>
+              <p:cNvSpPr>
+                <a:spLocks noRot="1" noChangeAspect="1" noMove="1" noResize="1" noEditPoints="1" noAdjustHandles="1" noChangeArrowheads="1" noChangeShapeType="1" noTextEdit="1"/>
+              </p:cNvSpPr>
+              <p:nvPr/>
+            </p:nvSpPr>
+            <p:spPr>
+              <a:xfrm>
+                <a:off x="2852510" y="3991350"/>
+                <a:ext cx="1461169" cy="369332"/>
+              </a:xfrm>
+              <a:prstGeom prst="rect">
+                <a:avLst/>
+              </a:prstGeom>
+              <a:blipFill>
+                <a:blip r:embed="rId3"/>
+                <a:stretch>
+                  <a:fillRect t="-6667" r="-2586" b="-23333"/>
+                </a:stretch>
+              </a:blipFill>
+            </p:spPr>
+            <p:txBody>
+              <a:bodyPr/>
+              <a:lstStyle/>
+              <a:p>
+                <a:r>
+                  <a:rPr lang="zh-CN" altLang="en-US">
+                    <a:noFill/>
+                  </a:rPr>
+                  <a:t> </a:t>
+                </a:r>
+              </a:p>
+            </p:txBody>
+          </p:sp>
+        </mc:Fallback>
+      </mc:AlternateContent>
+      <mc:AlternateContent xmlns:mc="http://schemas.openxmlformats.org/markup-compatibility/2006">
+        <mc:Choice xmlns:a14="http://schemas.microsoft.com/office/drawing/2010/main" Requires="a14">
+          <p:sp>
+            <p:nvSpPr>
+              <p:cNvPr id="13" name="矩形 12">
+                <a:extLst>
+                  <a:ext uri="{FF2B5EF4-FFF2-40B4-BE49-F238E27FC236}">
+                    <a16:creationId xmlns:a16="http://schemas.microsoft.com/office/drawing/2014/main" id="{169F3F7B-BEE4-D364-E2C8-E0924DFE0421}"/>
+                  </a:ext>
+                </a:extLst>
+              </p:cNvPr>
+              <p:cNvSpPr/>
+              <p:nvPr/>
+            </p:nvSpPr>
+            <p:spPr>
+              <a:xfrm>
+                <a:off x="831254" y="4796612"/>
+                <a:ext cx="2025619" cy="369332"/>
+              </a:xfrm>
+              <a:prstGeom prst="rect">
+                <a:avLst/>
+              </a:prstGeom>
+            </p:spPr>
+            <p:txBody>
+              <a:bodyPr wrap="none">
+                <a:spAutoFit/>
+              </a:bodyPr>
+              <a:lstStyle/>
+              <a:p>
+                <a14:m>
+                  <m:oMath xmlns:m="http://schemas.openxmlformats.org/officeDocument/2006/math">
+                    <m:r>
+                      <a:rPr lang="en-US" altLang="zh-CN" b="0" i="1" smtClean="0">
+                        <a:latin typeface="Cambria Math" panose="02040503050406030204" pitchFamily="18" charset="0"/>
+                      </a:rPr>
+                      <m:t>𝑋</m:t>
+                    </m:r>
+                    <m:r>
+                      <a:rPr lang="en-US" altLang="zh-CN" b="0" i="1" smtClean="0">
+                        <a:latin typeface="Cambria Math" panose="02040503050406030204" pitchFamily="18" charset="0"/>
+                      </a:rPr>
+                      <m:t>:</m:t>
+                    </m:r>
+                  </m:oMath>
+                </a14:m>
+                <a:r>
+                  <a:rPr lang="en-US" altLang="zh-CN" b="0" dirty="0"/>
+                  <a:t> </a:t>
+                </a:r>
+                <a14:m>
+                  <m:oMath xmlns:m="http://schemas.openxmlformats.org/officeDocument/2006/math">
+                    <m:sSub>
+                      <m:sSubPr>
+                        <m:ctrlPr>
+                          <a:rPr lang="en-US" altLang="zh-CN" b="0" i="1" smtClean="0">
+                            <a:latin typeface="Cambria Math" panose="02040503050406030204" pitchFamily="18" charset="0"/>
+                          </a:rPr>
+                        </m:ctrlPr>
+                      </m:sSubPr>
+                      <m:e>
+                        <m:r>
+                          <a:rPr lang="en-US" altLang="zh-CN" b="0" i="1" smtClean="0">
+                            <a:latin typeface="Cambria Math" panose="02040503050406030204" pitchFamily="18" charset="0"/>
+                          </a:rPr>
+                          <m:t>𝑥</m:t>
+                        </m:r>
+                      </m:e>
+                      <m:sub>
+                        <m:r>
+                          <a:rPr lang="en-US" altLang="zh-CN" b="0" i="1" smtClean="0">
+                            <a:latin typeface="Cambria Math" panose="02040503050406030204" pitchFamily="18" charset="0"/>
+                          </a:rPr>
+                          <m:t>0</m:t>
+                        </m:r>
+                      </m:sub>
+                    </m:sSub>
+                  </m:oMath>
+                </a14:m>
+                <a:r>
+                  <a:rPr lang="en-US" altLang="zh-CN" dirty="0"/>
+                  <a:t>, </a:t>
+                </a:r>
+                <a14:m>
+                  <m:oMath xmlns:m="http://schemas.openxmlformats.org/officeDocument/2006/math">
+                    <m:sSub>
+                      <m:sSubPr>
+                        <m:ctrlPr>
+                          <a:rPr lang="en-US" altLang="zh-CN" i="1">
+                            <a:latin typeface="Cambria Math" panose="02040503050406030204" pitchFamily="18" charset="0"/>
+                          </a:rPr>
+                        </m:ctrlPr>
+                      </m:sSubPr>
+                      <m:e>
+                        <m:r>
+                          <a:rPr lang="en-US" altLang="zh-CN" b="0" i="1" smtClean="0">
+                            <a:latin typeface="Cambria Math" panose="02040503050406030204" pitchFamily="18" charset="0"/>
+                          </a:rPr>
+                          <m:t>𝑥</m:t>
+                        </m:r>
+                      </m:e>
+                      <m:sub>
+                        <m:r>
+                          <a:rPr lang="en-US" altLang="zh-CN" b="0" i="1" smtClean="0">
+                            <a:latin typeface="Cambria Math" panose="02040503050406030204" pitchFamily="18" charset="0"/>
+                          </a:rPr>
+                          <m:t>1</m:t>
+                        </m:r>
+                      </m:sub>
+                    </m:sSub>
+                  </m:oMath>
+                </a14:m>
+                <a:r>
+                  <a:rPr lang="en-US" altLang="zh-CN" dirty="0"/>
+                  <a:t>, </a:t>
+                </a:r>
+                <a14:m>
+                  <m:oMath xmlns:m="http://schemas.openxmlformats.org/officeDocument/2006/math">
+                    <m:sSub>
+                      <m:sSubPr>
+                        <m:ctrlPr>
+                          <a:rPr lang="en-US" altLang="zh-CN" i="1">
+                            <a:latin typeface="Cambria Math" panose="02040503050406030204" pitchFamily="18" charset="0"/>
+                          </a:rPr>
+                        </m:ctrlPr>
+                      </m:sSubPr>
+                      <m:e>
+                        <m:r>
+                          <a:rPr lang="en-US" altLang="zh-CN" b="0" i="1" smtClean="0">
+                            <a:latin typeface="Cambria Math" panose="02040503050406030204" pitchFamily="18" charset="0"/>
+                          </a:rPr>
+                          <m:t>𝑥</m:t>
+                        </m:r>
+                      </m:e>
+                      <m:sub>
+                        <m:r>
+                          <a:rPr lang="en-US" altLang="zh-CN" b="0" i="1" smtClean="0">
+                            <a:latin typeface="Cambria Math" panose="02040503050406030204" pitchFamily="18" charset="0"/>
+                          </a:rPr>
+                          <m:t>2</m:t>
+                        </m:r>
+                      </m:sub>
+                    </m:sSub>
+                  </m:oMath>
+                </a14:m>
+                <a:r>
+                  <a:rPr lang="en-US" altLang="zh-CN" dirty="0"/>
+                  <a:t>, </a:t>
+                </a:r>
+                <a14:m>
+                  <m:oMath xmlns:m="http://schemas.openxmlformats.org/officeDocument/2006/math">
+                    <m:sSub>
+                      <m:sSubPr>
+                        <m:ctrlPr>
+                          <a:rPr lang="en-US" altLang="zh-CN" i="1">
+                            <a:latin typeface="Cambria Math" panose="02040503050406030204" pitchFamily="18" charset="0"/>
+                          </a:rPr>
+                        </m:ctrlPr>
+                      </m:sSubPr>
+                      <m:e>
+                        <m:r>
+                          <a:rPr lang="en-US" altLang="zh-CN" b="0" i="1" smtClean="0">
+                            <a:latin typeface="Cambria Math" panose="02040503050406030204" pitchFamily="18" charset="0"/>
+                          </a:rPr>
+                          <m:t>𝑥</m:t>
+                        </m:r>
+                      </m:e>
+                      <m:sub>
+                        <m:r>
+                          <a:rPr lang="en-US" altLang="zh-CN" b="0" i="1" smtClean="0">
+                            <a:latin typeface="Cambria Math" panose="02040503050406030204" pitchFamily="18" charset="0"/>
+                          </a:rPr>
+                          <m:t>3</m:t>
+                        </m:r>
+                      </m:sub>
+                    </m:sSub>
+                  </m:oMath>
+                </a14:m>
+                <a:r>
+                  <a:rPr lang="en-US" altLang="zh-CN" dirty="0"/>
+                  <a:t>……</a:t>
+                </a:r>
+                <a:endParaRPr lang="zh-CN" altLang="en-US" dirty="0"/>
+              </a:p>
+            </p:txBody>
+          </p:sp>
+        </mc:Choice>
+        <mc:Fallback>
+          <p:sp>
+            <p:nvSpPr>
+              <p:cNvPr id="13" name="矩形 12">
+                <a:extLst>
+                  <a:ext uri="{FF2B5EF4-FFF2-40B4-BE49-F238E27FC236}">
+                    <a16:creationId xmlns:a16="http://schemas.microsoft.com/office/drawing/2014/main" id="{169F3F7B-BEE4-D364-E2C8-E0924DFE0421}"/>
+                  </a:ext>
+                </a:extLst>
+              </p:cNvPr>
+              <p:cNvSpPr>
+                <a:spLocks noRot="1" noChangeAspect="1" noMove="1" noResize="1" noEditPoints="1" noAdjustHandles="1" noChangeArrowheads="1" noChangeShapeType="1" noTextEdit="1"/>
+              </p:cNvSpPr>
+              <p:nvPr/>
+            </p:nvSpPr>
+            <p:spPr>
+              <a:xfrm>
+                <a:off x="831254" y="4796612"/>
+                <a:ext cx="2025619" cy="369332"/>
+              </a:xfrm>
+              <a:prstGeom prst="rect">
+                <a:avLst/>
+              </a:prstGeom>
+              <a:blipFill>
+                <a:blip r:embed="rId4"/>
+                <a:stretch>
+                  <a:fillRect t="-6667" r="-621" b="-26667"/>
+                </a:stretch>
+              </a:blipFill>
+            </p:spPr>
+            <p:txBody>
+              <a:bodyPr/>
+              <a:lstStyle/>
+              <a:p>
+                <a:r>
+                  <a:rPr lang="zh-CN" altLang="en-US">
+                    <a:noFill/>
+                  </a:rPr>
+                  <a:t> </a:t>
+                </a:r>
+              </a:p>
+            </p:txBody>
+          </p:sp>
+        </mc:Fallback>
+      </mc:AlternateContent>
+      <p:sp>
+        <p:nvSpPr>
+          <p:cNvPr id="28" name="矩形 27">
+            <a:extLst>
+              <a:ext uri="{FF2B5EF4-FFF2-40B4-BE49-F238E27FC236}">
+                <a16:creationId xmlns:a16="http://schemas.microsoft.com/office/drawing/2014/main" id="{34AB4D68-891D-F488-48F3-B2811AFD6C4E}"/>
+              </a:ext>
+            </a:extLst>
+          </p:cNvPr>
+          <p:cNvSpPr/>
+          <p:nvPr/>
+        </p:nvSpPr>
+        <p:spPr>
+          <a:xfrm>
+            <a:off x="3395386" y="3279919"/>
+            <a:ext cx="335870" cy="335870"/>
+          </a:xfrm>
+          <a:prstGeom prst="rect">
+            <a:avLst/>
+          </a:prstGeom>
+          <a:noFill/>
+          <a:ln w="19050">
+            <a:solidFill>
+              <a:schemeClr val="tx1"/>
+            </a:solidFill>
+          </a:ln>
+        </p:spPr>
+        <p:style>
+          <a:lnRef idx="2">
+            <a:schemeClr val="accent6"/>
+          </a:lnRef>
+          <a:fillRef idx="1">
+            <a:schemeClr val="lt1"/>
+          </a:fillRef>
+          <a:effectRef idx="0">
+            <a:schemeClr val="accent6"/>
+          </a:effectRef>
+          <a:fontRef idx="minor">
+            <a:schemeClr val="dk1"/>
+          </a:fontRef>
+        </p:style>
+        <p:txBody>
+          <a:bodyPr rtlCol="0" anchor="ctr"/>
+          <a:lstStyle/>
+          <a:p>
+            <a:pPr algn="ctr"/>
+            <a:endParaRPr kumimoji="1" lang="zh-CN" altLang="en-US" dirty="0">
+              <a:solidFill>
+                <a:schemeClr val="tx1"/>
+              </a:solidFill>
+              <a:highlight>
+                <a:srgbClr val="000000"/>
+              </a:highlight>
+            </a:endParaRPr>
+          </a:p>
+        </p:txBody>
+      </p:sp>
+      <p:sp>
+        <p:nvSpPr>
+          <p:cNvPr id="29" name="矩形 28">
+            <a:extLst>
+              <a:ext uri="{FF2B5EF4-FFF2-40B4-BE49-F238E27FC236}">
+                <a16:creationId xmlns:a16="http://schemas.microsoft.com/office/drawing/2014/main" id="{06F7DEFE-966A-07DD-84BD-7A6717D6A7C3}"/>
+              </a:ext>
+            </a:extLst>
+          </p:cNvPr>
+          <p:cNvSpPr/>
+          <p:nvPr/>
+        </p:nvSpPr>
+        <p:spPr>
+          <a:xfrm>
+            <a:off x="3902390" y="3279919"/>
+            <a:ext cx="335870" cy="335870"/>
+          </a:xfrm>
+          <a:prstGeom prst="rect">
+            <a:avLst/>
+          </a:prstGeom>
+          <a:noFill/>
+          <a:ln w="19050">
+            <a:solidFill>
+              <a:schemeClr val="tx1"/>
+            </a:solidFill>
+          </a:ln>
+        </p:spPr>
+        <p:style>
+          <a:lnRef idx="2">
+            <a:schemeClr val="accent6"/>
+          </a:lnRef>
+          <a:fillRef idx="1">
+            <a:schemeClr val="lt1"/>
+          </a:fillRef>
+          <a:effectRef idx="0">
+            <a:schemeClr val="accent6"/>
+          </a:effectRef>
+          <a:fontRef idx="minor">
+            <a:schemeClr val="dk1"/>
+          </a:fontRef>
+        </p:style>
+        <p:txBody>
+          <a:bodyPr rtlCol="0" anchor="ctr"/>
+          <a:lstStyle/>
+          <a:p>
+            <a:pPr algn="ctr"/>
+            <a:endParaRPr kumimoji="1" lang="zh-CN" altLang="en-US" dirty="0">
+              <a:solidFill>
+                <a:schemeClr val="tx1"/>
+              </a:solidFill>
+              <a:highlight>
+                <a:srgbClr val="000000"/>
+              </a:highlight>
+            </a:endParaRPr>
+          </a:p>
+        </p:txBody>
+      </p:sp>
+      <p:sp>
+        <p:nvSpPr>
+          <p:cNvPr id="32" name="矩形 31">
+            <a:extLst>
+              <a:ext uri="{FF2B5EF4-FFF2-40B4-BE49-F238E27FC236}">
+                <a16:creationId xmlns:a16="http://schemas.microsoft.com/office/drawing/2014/main" id="{6B815670-88D1-D685-695F-11A61AA1EB77}"/>
+              </a:ext>
+            </a:extLst>
+          </p:cNvPr>
+          <p:cNvSpPr/>
+          <p:nvPr/>
+        </p:nvSpPr>
+        <p:spPr>
+          <a:xfrm>
+            <a:off x="4409394" y="3279919"/>
+            <a:ext cx="335870" cy="335870"/>
+          </a:xfrm>
+          <a:prstGeom prst="rect">
+            <a:avLst/>
+          </a:prstGeom>
+          <a:noFill/>
+          <a:ln w="19050">
+            <a:solidFill>
+              <a:schemeClr val="tx1"/>
+            </a:solidFill>
+          </a:ln>
+        </p:spPr>
+        <p:style>
+          <a:lnRef idx="2">
+            <a:schemeClr val="accent6"/>
+          </a:lnRef>
+          <a:fillRef idx="1">
+            <a:schemeClr val="lt1"/>
+          </a:fillRef>
+          <a:effectRef idx="0">
+            <a:schemeClr val="accent6"/>
+          </a:effectRef>
+          <a:fontRef idx="minor">
+            <a:schemeClr val="dk1"/>
+          </a:fontRef>
+        </p:style>
+        <p:txBody>
+          <a:bodyPr rtlCol="0" anchor="ctr"/>
+          <a:lstStyle/>
+          <a:p>
+            <a:pPr algn="ctr"/>
+            <a:endParaRPr kumimoji="1" lang="zh-CN" altLang="en-US" dirty="0">
+              <a:solidFill>
+                <a:schemeClr val="tx1"/>
+              </a:solidFill>
+              <a:highlight>
+                <a:srgbClr val="000000"/>
+              </a:highlight>
+            </a:endParaRPr>
+          </a:p>
+        </p:txBody>
+      </p:sp>
+      <p:sp>
+        <p:nvSpPr>
+          <p:cNvPr id="33" name="矩形 32">
+            <a:extLst>
+              <a:ext uri="{FF2B5EF4-FFF2-40B4-BE49-F238E27FC236}">
+                <a16:creationId xmlns:a16="http://schemas.microsoft.com/office/drawing/2014/main" id="{E59AA977-03F3-840E-EF26-F04A7832E493}"/>
+              </a:ext>
+            </a:extLst>
+          </p:cNvPr>
+          <p:cNvSpPr/>
+          <p:nvPr/>
+        </p:nvSpPr>
+        <p:spPr>
+          <a:xfrm>
+            <a:off x="4916398" y="3279919"/>
+            <a:ext cx="335870" cy="335870"/>
+          </a:xfrm>
+          <a:prstGeom prst="rect">
+            <a:avLst/>
+          </a:prstGeom>
+          <a:noFill/>
+          <a:ln w="19050">
+            <a:solidFill>
+              <a:schemeClr val="tx1"/>
+            </a:solidFill>
+          </a:ln>
+        </p:spPr>
+        <p:style>
+          <a:lnRef idx="2">
+            <a:schemeClr val="accent6"/>
+          </a:lnRef>
+          <a:fillRef idx="1">
+            <a:schemeClr val="lt1"/>
+          </a:fillRef>
+          <a:effectRef idx="0">
+            <a:schemeClr val="accent6"/>
+          </a:effectRef>
+          <a:fontRef idx="minor">
+            <a:schemeClr val="dk1"/>
+          </a:fontRef>
+        </p:style>
+        <p:txBody>
+          <a:bodyPr rtlCol="0" anchor="ctr"/>
+          <a:lstStyle/>
+          <a:p>
+            <a:pPr algn="ctr"/>
+            <a:endParaRPr kumimoji="1" lang="zh-CN" altLang="en-US" dirty="0">
+              <a:solidFill>
+                <a:schemeClr val="tx1"/>
+              </a:solidFill>
+              <a:highlight>
+                <a:srgbClr val="000000"/>
+              </a:highlight>
+            </a:endParaRPr>
+          </a:p>
+        </p:txBody>
+      </p:sp>
+      <p:sp>
+        <p:nvSpPr>
+          <p:cNvPr id="34" name="矩形 33">
+            <a:extLst>
+              <a:ext uri="{FF2B5EF4-FFF2-40B4-BE49-F238E27FC236}">
+                <a16:creationId xmlns:a16="http://schemas.microsoft.com/office/drawing/2014/main" id="{88F0B718-4458-2E57-1E89-8240D39C9717}"/>
+              </a:ext>
+            </a:extLst>
+          </p:cNvPr>
+          <p:cNvSpPr/>
+          <p:nvPr/>
+        </p:nvSpPr>
+        <p:spPr>
+          <a:xfrm>
+            <a:off x="5423402" y="3279919"/>
+            <a:ext cx="335870" cy="335870"/>
+          </a:xfrm>
+          <a:prstGeom prst="rect">
+            <a:avLst/>
+          </a:prstGeom>
+          <a:noFill/>
+          <a:ln w="19050">
+            <a:solidFill>
+              <a:schemeClr val="tx1"/>
+            </a:solidFill>
+          </a:ln>
+        </p:spPr>
+        <p:style>
+          <a:lnRef idx="2">
+            <a:schemeClr val="accent6"/>
+          </a:lnRef>
+          <a:fillRef idx="1">
+            <a:schemeClr val="lt1"/>
+          </a:fillRef>
+          <a:effectRef idx="0">
+            <a:schemeClr val="accent6"/>
+          </a:effectRef>
+          <a:fontRef idx="minor">
+            <a:schemeClr val="dk1"/>
+          </a:fontRef>
+        </p:style>
+        <p:txBody>
+          <a:bodyPr rtlCol="0" anchor="ctr"/>
+          <a:lstStyle/>
+          <a:p>
+            <a:pPr algn="ctr"/>
+            <a:endParaRPr kumimoji="1" lang="zh-CN" altLang="en-US" dirty="0">
+              <a:solidFill>
+                <a:schemeClr val="tx1"/>
+              </a:solidFill>
+              <a:highlight>
+                <a:srgbClr val="000000"/>
+              </a:highlight>
+            </a:endParaRPr>
+          </a:p>
+        </p:txBody>
+      </p:sp>
+      <p:sp>
+        <p:nvSpPr>
+          <p:cNvPr id="35" name="文本框 34">
+            <a:extLst>
+              <a:ext uri="{FF2B5EF4-FFF2-40B4-BE49-F238E27FC236}">
+                <a16:creationId xmlns:a16="http://schemas.microsoft.com/office/drawing/2014/main" id="{E615CD56-3E14-22D7-F094-E5CBC870CAFB}"/>
+              </a:ext>
+            </a:extLst>
+          </p:cNvPr>
+          <p:cNvSpPr txBox="1"/>
+          <p:nvPr/>
+        </p:nvSpPr>
+        <p:spPr>
+          <a:xfrm>
+            <a:off x="3325115" y="3628711"/>
+            <a:ext cx="476412" cy="369332"/>
+          </a:xfrm>
+          <a:prstGeom prst="rect">
+            <a:avLst/>
+          </a:prstGeom>
+          <a:noFill/>
+        </p:spPr>
+        <p:txBody>
+          <a:bodyPr wrap="none" rtlCol="0">
+            <a:spAutoFit/>
+          </a:bodyPr>
+          <a:lstStyle/>
+          <a:p>
+            <a:r>
+              <a:rPr kumimoji="1" lang="en-US" altLang="zh-CN" dirty="0"/>
+              <a:t>0.5</a:t>
+            </a:r>
+            <a:endParaRPr kumimoji="1" lang="zh-CN" altLang="en-US" dirty="0"/>
+          </a:p>
+        </p:txBody>
+      </p:sp>
+      <p:sp>
+        <p:nvSpPr>
+          <p:cNvPr id="37" name="文本框 36">
+            <a:extLst>
+              <a:ext uri="{FF2B5EF4-FFF2-40B4-BE49-F238E27FC236}">
+                <a16:creationId xmlns:a16="http://schemas.microsoft.com/office/drawing/2014/main" id="{14D39264-08E0-49CA-5702-D68A043A454B}"/>
+              </a:ext>
+            </a:extLst>
+          </p:cNvPr>
+          <p:cNvSpPr txBox="1"/>
+          <p:nvPr/>
+        </p:nvSpPr>
+        <p:spPr>
+          <a:xfrm>
+            <a:off x="3829455" y="3622484"/>
+            <a:ext cx="476412" cy="369332"/>
+          </a:xfrm>
+          <a:prstGeom prst="rect">
+            <a:avLst/>
+          </a:prstGeom>
+          <a:noFill/>
+        </p:spPr>
+        <p:txBody>
+          <a:bodyPr wrap="none" rtlCol="0">
+            <a:spAutoFit/>
+          </a:bodyPr>
+          <a:lstStyle/>
+          <a:p>
+            <a:r>
+              <a:rPr kumimoji="1" lang="en-US" altLang="zh-CN" dirty="0"/>
+              <a:t>0.3</a:t>
+            </a:r>
+            <a:endParaRPr kumimoji="1" lang="zh-CN" altLang="en-US" dirty="0"/>
+          </a:p>
+        </p:txBody>
+      </p:sp>
+      <p:sp>
+        <p:nvSpPr>
+          <p:cNvPr id="38" name="文本框 37">
+            <a:extLst>
+              <a:ext uri="{FF2B5EF4-FFF2-40B4-BE49-F238E27FC236}">
+                <a16:creationId xmlns:a16="http://schemas.microsoft.com/office/drawing/2014/main" id="{644795A3-1ED8-9437-A12B-9904D229DBE3}"/>
+              </a:ext>
+            </a:extLst>
+          </p:cNvPr>
+          <p:cNvSpPr txBox="1"/>
+          <p:nvPr/>
+        </p:nvSpPr>
+        <p:spPr>
+          <a:xfrm>
+            <a:off x="4336427" y="3609071"/>
+            <a:ext cx="476412" cy="369332"/>
+          </a:xfrm>
+          <a:prstGeom prst="rect">
+            <a:avLst/>
+          </a:prstGeom>
+          <a:noFill/>
+        </p:spPr>
+        <p:txBody>
+          <a:bodyPr wrap="none" rtlCol="0">
+            <a:spAutoFit/>
+          </a:bodyPr>
+          <a:lstStyle/>
+          <a:p>
+            <a:r>
+              <a:rPr kumimoji="1" lang="en-US" altLang="zh-CN" dirty="0"/>
+              <a:t>0.1</a:t>
+            </a:r>
+            <a:endParaRPr kumimoji="1" lang="zh-CN" altLang="en-US" dirty="0"/>
+          </a:p>
+        </p:txBody>
+      </p:sp>
+      <p:sp>
+        <p:nvSpPr>
+          <p:cNvPr id="39" name="文本框 38">
+            <a:extLst>
+              <a:ext uri="{FF2B5EF4-FFF2-40B4-BE49-F238E27FC236}">
+                <a16:creationId xmlns:a16="http://schemas.microsoft.com/office/drawing/2014/main" id="{D3CC44B8-6C0F-4F28-A121-88DDBC209548}"/>
+              </a:ext>
+            </a:extLst>
+          </p:cNvPr>
+          <p:cNvSpPr txBox="1"/>
+          <p:nvPr/>
+        </p:nvSpPr>
+        <p:spPr>
+          <a:xfrm>
+            <a:off x="4812839" y="3615649"/>
+            <a:ext cx="593432" cy="369332"/>
+          </a:xfrm>
+          <a:prstGeom prst="rect">
+            <a:avLst/>
+          </a:prstGeom>
+          <a:noFill/>
+        </p:spPr>
+        <p:txBody>
+          <a:bodyPr wrap="none" rtlCol="0">
+            <a:spAutoFit/>
+          </a:bodyPr>
+          <a:lstStyle/>
+          <a:p>
+            <a:r>
+              <a:rPr kumimoji="1" lang="en-US" altLang="zh-CN" dirty="0"/>
+              <a:t>0.05</a:t>
+            </a:r>
+            <a:endParaRPr kumimoji="1" lang="zh-CN" altLang="en-US" dirty="0"/>
+          </a:p>
+        </p:txBody>
+      </p:sp>
+      <p:sp>
+        <p:nvSpPr>
+          <p:cNvPr id="40" name="文本框 39">
+            <a:extLst>
+              <a:ext uri="{FF2B5EF4-FFF2-40B4-BE49-F238E27FC236}">
+                <a16:creationId xmlns:a16="http://schemas.microsoft.com/office/drawing/2014/main" id="{CAEBB65F-192B-2548-46CF-4A1098FEAFF4}"/>
+              </a:ext>
+            </a:extLst>
+          </p:cNvPr>
+          <p:cNvSpPr txBox="1"/>
+          <p:nvPr/>
+        </p:nvSpPr>
+        <p:spPr>
+          <a:xfrm>
+            <a:off x="5333863" y="3615649"/>
+            <a:ext cx="593432" cy="369332"/>
+          </a:xfrm>
+          <a:prstGeom prst="rect">
+            <a:avLst/>
+          </a:prstGeom>
+          <a:noFill/>
+        </p:spPr>
+        <p:txBody>
+          <a:bodyPr wrap="none" rtlCol="0">
+            <a:spAutoFit/>
+          </a:bodyPr>
+          <a:lstStyle/>
+          <a:p>
+            <a:r>
+              <a:rPr kumimoji="1" lang="en-US" altLang="zh-CN" dirty="0"/>
+              <a:t>0.05</a:t>
+            </a:r>
+            <a:endParaRPr kumimoji="1" lang="zh-CN" altLang="en-US" dirty="0"/>
+          </a:p>
+        </p:txBody>
+      </p:sp>
+      <mc:AlternateContent xmlns:mc="http://schemas.openxmlformats.org/markup-compatibility/2006">
+        <mc:Choice xmlns:a14="http://schemas.microsoft.com/office/drawing/2010/main" Requires="a14">
+          <p:sp>
+            <p:nvSpPr>
+              <p:cNvPr id="42" name="文本框 41">
+                <a:extLst>
+                  <a:ext uri="{FF2B5EF4-FFF2-40B4-BE49-F238E27FC236}">
+                    <a16:creationId xmlns:a16="http://schemas.microsoft.com/office/drawing/2014/main" id="{5096A4B0-2361-090D-AC75-A997F1965101}"/>
+                  </a:ext>
+                </a:extLst>
+              </p:cNvPr>
+              <p:cNvSpPr txBox="1"/>
+              <p:nvPr/>
+            </p:nvSpPr>
+            <p:spPr>
+              <a:xfrm>
+                <a:off x="2801459" y="2786296"/>
+                <a:ext cx="593432" cy="369332"/>
+              </a:xfrm>
+              <a:prstGeom prst="rect">
+                <a:avLst/>
+              </a:prstGeom>
+              <a:noFill/>
+            </p:spPr>
+            <p:txBody>
+              <a:bodyPr wrap="square">
+                <a:spAutoFit/>
+              </a:bodyPr>
+              <a:lstStyle/>
+              <a:p>
+                <a14:m>
+                  <m:oMath xmlns:m="http://schemas.openxmlformats.org/officeDocument/2006/math">
+                    <m:r>
+                      <a:rPr lang="en-US" altLang="zh-CN" b="0" i="1" smtClean="0">
+                        <a:latin typeface="Cambria Math" panose="02040503050406030204" pitchFamily="18" charset="0"/>
+                      </a:rPr>
+                      <m:t>𝑓</m:t>
+                    </m:r>
+                    <m:r>
+                      <a:rPr lang="en-US" altLang="zh-CN" b="0" i="1" smtClean="0">
+                        <a:latin typeface="Cambria Math" panose="02040503050406030204" pitchFamily="18" charset="0"/>
+                      </a:rPr>
+                      <m:t>(·)</m:t>
+                    </m:r>
+                  </m:oMath>
+                </a14:m>
+                <a:r>
+                  <a:rPr lang="en-US" altLang="zh-CN" dirty="0"/>
+                  <a:t> </a:t>
+                </a:r>
+                <a:endParaRPr lang="zh-CN" altLang="en-US" dirty="0"/>
+              </a:p>
+            </p:txBody>
+          </p:sp>
+        </mc:Choice>
+        <mc:Fallback>
+          <p:sp>
+            <p:nvSpPr>
+              <p:cNvPr id="42" name="文本框 41">
+                <a:extLst>
+                  <a:ext uri="{FF2B5EF4-FFF2-40B4-BE49-F238E27FC236}">
+                    <a16:creationId xmlns:a16="http://schemas.microsoft.com/office/drawing/2014/main" id="{5096A4B0-2361-090D-AC75-A997F1965101}"/>
+                  </a:ext>
+                </a:extLst>
+              </p:cNvPr>
+              <p:cNvSpPr txBox="1">
+                <a:spLocks noRot="1" noChangeAspect="1" noMove="1" noResize="1" noEditPoints="1" noAdjustHandles="1" noChangeArrowheads="1" noChangeShapeType="1" noTextEdit="1"/>
+              </p:cNvSpPr>
+              <p:nvPr/>
+            </p:nvSpPr>
+            <p:spPr>
+              <a:xfrm>
+                <a:off x="2801459" y="2786296"/>
+                <a:ext cx="593432" cy="369332"/>
+              </a:xfrm>
+              <a:prstGeom prst="rect">
+                <a:avLst/>
+              </a:prstGeom>
+              <a:blipFill>
+                <a:blip r:embed="rId5"/>
+                <a:stretch>
+                  <a:fillRect l="-4167" b="-13333"/>
+                </a:stretch>
+              </a:blipFill>
+            </p:spPr>
+            <p:txBody>
+              <a:bodyPr/>
+              <a:lstStyle/>
+              <a:p>
+                <a:r>
+                  <a:rPr lang="zh-CN" altLang="en-US">
+                    <a:noFill/>
+                  </a:rPr>
+                  <a:t> </a:t>
+                </a:r>
+              </a:p>
+            </p:txBody>
+          </p:sp>
+        </mc:Fallback>
+      </mc:AlternateContent>
+      <p:sp>
+        <p:nvSpPr>
+          <p:cNvPr id="43" name="文本框 42">
+            <a:extLst>
+              <a:ext uri="{FF2B5EF4-FFF2-40B4-BE49-F238E27FC236}">
+                <a16:creationId xmlns:a16="http://schemas.microsoft.com/office/drawing/2014/main" id="{AD337A59-53A0-8B5B-A64D-37FE0F2DAC3F}"/>
+              </a:ext>
+            </a:extLst>
+          </p:cNvPr>
+          <p:cNvSpPr txBox="1"/>
+          <p:nvPr/>
+        </p:nvSpPr>
+        <p:spPr>
+          <a:xfrm>
+            <a:off x="3070088" y="3014577"/>
+            <a:ext cx="300082" cy="369332"/>
+          </a:xfrm>
+          <a:prstGeom prst="rect">
+            <a:avLst/>
+          </a:prstGeom>
+          <a:noFill/>
+        </p:spPr>
+        <p:txBody>
+          <a:bodyPr wrap="none" rtlCol="0">
+            <a:spAutoFit/>
+          </a:bodyPr>
+          <a:lstStyle/>
+          <a:p>
+            <a:r>
+              <a:rPr kumimoji="1" lang="en-US" altLang="zh-CN" dirty="0"/>
+              <a:t>+</a:t>
+            </a:r>
+            <a:endParaRPr kumimoji="1" lang="zh-CN" altLang="en-US" dirty="0"/>
+          </a:p>
+        </p:txBody>
+      </p:sp>
+      <p:sp>
+        <p:nvSpPr>
+          <p:cNvPr id="44" name="文本框 43">
+            <a:extLst>
+              <a:ext uri="{FF2B5EF4-FFF2-40B4-BE49-F238E27FC236}">
+                <a16:creationId xmlns:a16="http://schemas.microsoft.com/office/drawing/2014/main" id="{0BB10F98-97EB-D545-4B3E-CB8CD26ABD54}"/>
+              </a:ext>
+            </a:extLst>
+          </p:cNvPr>
+          <p:cNvSpPr txBox="1"/>
+          <p:nvPr/>
+        </p:nvSpPr>
+        <p:spPr>
+          <a:xfrm>
+            <a:off x="3287030" y="2790224"/>
+            <a:ext cx="546945" cy="369332"/>
+          </a:xfrm>
+          <a:prstGeom prst="rect">
+            <a:avLst/>
+          </a:prstGeom>
+          <a:noFill/>
+        </p:spPr>
+        <p:txBody>
+          <a:bodyPr wrap="none" rtlCol="0">
+            <a:spAutoFit/>
+          </a:bodyPr>
+          <a:lstStyle/>
+          <a:p>
+            <a:r>
+              <a:rPr kumimoji="1" lang="en-US" altLang="zh-CN" dirty="0"/>
+              <a:t>-0.2</a:t>
+            </a:r>
+            <a:endParaRPr kumimoji="1" lang="zh-CN" altLang="en-US" dirty="0"/>
+          </a:p>
+        </p:txBody>
+      </p:sp>
+      <p:sp>
+        <p:nvSpPr>
+          <p:cNvPr id="45" name="文本框 44">
+            <a:extLst>
+              <a:ext uri="{FF2B5EF4-FFF2-40B4-BE49-F238E27FC236}">
+                <a16:creationId xmlns:a16="http://schemas.microsoft.com/office/drawing/2014/main" id="{5821A255-BC93-3EDA-B4BE-DF2B109D60F3}"/>
+              </a:ext>
+            </a:extLst>
+          </p:cNvPr>
+          <p:cNvSpPr txBox="1"/>
+          <p:nvPr/>
+        </p:nvSpPr>
+        <p:spPr>
+          <a:xfrm>
+            <a:off x="3799624" y="2783997"/>
+            <a:ext cx="593432" cy="369332"/>
+          </a:xfrm>
+          <a:prstGeom prst="rect">
+            <a:avLst/>
+          </a:prstGeom>
+          <a:noFill/>
+        </p:spPr>
+        <p:txBody>
+          <a:bodyPr wrap="none" rtlCol="0">
+            <a:spAutoFit/>
+          </a:bodyPr>
+          <a:lstStyle/>
+          <a:p>
+            <a:r>
+              <a:rPr kumimoji="1" lang="en-US" altLang="zh-CN" dirty="0"/>
+              <a:t>0.05</a:t>
+            </a:r>
+            <a:endParaRPr kumimoji="1" lang="zh-CN" altLang="en-US" dirty="0"/>
+          </a:p>
+        </p:txBody>
+      </p:sp>
+      <p:sp>
+        <p:nvSpPr>
+          <p:cNvPr id="46" name="文本框 45">
+            <a:extLst>
+              <a:ext uri="{FF2B5EF4-FFF2-40B4-BE49-F238E27FC236}">
+                <a16:creationId xmlns:a16="http://schemas.microsoft.com/office/drawing/2014/main" id="{4EFF7191-972E-E8D8-0EAB-7356D2CB424B}"/>
+              </a:ext>
+            </a:extLst>
+          </p:cNvPr>
+          <p:cNvSpPr txBox="1"/>
+          <p:nvPr/>
+        </p:nvSpPr>
+        <p:spPr>
+          <a:xfrm>
+            <a:off x="4307769" y="2780011"/>
+            <a:ext cx="476412" cy="369332"/>
+          </a:xfrm>
+          <a:prstGeom prst="rect">
+            <a:avLst/>
+          </a:prstGeom>
+          <a:noFill/>
+        </p:spPr>
+        <p:txBody>
+          <a:bodyPr wrap="none" rtlCol="0">
+            <a:spAutoFit/>
+          </a:bodyPr>
+          <a:lstStyle/>
+          <a:p>
+            <a:r>
+              <a:rPr kumimoji="1" lang="en-US" altLang="zh-CN" dirty="0"/>
+              <a:t>0.1</a:t>
+            </a:r>
+            <a:endParaRPr kumimoji="1" lang="zh-CN" altLang="en-US" dirty="0"/>
+          </a:p>
+        </p:txBody>
+      </p:sp>
+      <p:sp>
+        <p:nvSpPr>
+          <p:cNvPr id="47" name="文本框 46">
+            <a:extLst>
+              <a:ext uri="{FF2B5EF4-FFF2-40B4-BE49-F238E27FC236}">
+                <a16:creationId xmlns:a16="http://schemas.microsoft.com/office/drawing/2014/main" id="{E602B8FF-A533-4C9A-FD2E-E9937A635AAF}"/>
+              </a:ext>
+            </a:extLst>
+          </p:cNvPr>
+          <p:cNvSpPr txBox="1"/>
+          <p:nvPr/>
+        </p:nvSpPr>
+        <p:spPr>
+          <a:xfrm>
+            <a:off x="4774754" y="2786589"/>
+            <a:ext cx="593432" cy="369332"/>
+          </a:xfrm>
+          <a:prstGeom prst="rect">
+            <a:avLst/>
+          </a:prstGeom>
+          <a:noFill/>
+        </p:spPr>
+        <p:txBody>
+          <a:bodyPr wrap="none" rtlCol="0">
+            <a:spAutoFit/>
+          </a:bodyPr>
+          <a:lstStyle/>
+          <a:p>
+            <a:r>
+              <a:rPr kumimoji="1" lang="en-US" altLang="zh-CN" dirty="0"/>
+              <a:t>0.01</a:t>
+            </a:r>
+            <a:endParaRPr kumimoji="1" lang="zh-CN" altLang="en-US" dirty="0"/>
+          </a:p>
+        </p:txBody>
+      </p:sp>
+      <p:sp>
+        <p:nvSpPr>
+          <p:cNvPr id="48" name="文本框 47">
+            <a:extLst>
+              <a:ext uri="{FF2B5EF4-FFF2-40B4-BE49-F238E27FC236}">
+                <a16:creationId xmlns:a16="http://schemas.microsoft.com/office/drawing/2014/main" id="{53C17137-D34B-CD55-84DE-A909B85F5E32}"/>
+              </a:ext>
+            </a:extLst>
+          </p:cNvPr>
+          <p:cNvSpPr txBox="1"/>
+          <p:nvPr/>
+        </p:nvSpPr>
+        <p:spPr>
+          <a:xfrm>
+            <a:off x="5295778" y="2786589"/>
+            <a:ext cx="593432" cy="369332"/>
+          </a:xfrm>
+          <a:prstGeom prst="rect">
+            <a:avLst/>
+          </a:prstGeom>
+          <a:noFill/>
+        </p:spPr>
+        <p:txBody>
+          <a:bodyPr wrap="none" rtlCol="0">
+            <a:spAutoFit/>
+          </a:bodyPr>
+          <a:lstStyle/>
+          <a:p>
+            <a:r>
+              <a:rPr kumimoji="1" lang="en-US" altLang="zh-CN" dirty="0"/>
+              <a:t>0.03</a:t>
+            </a:r>
+            <a:endParaRPr kumimoji="1" lang="zh-CN" altLang="en-US" dirty="0"/>
+          </a:p>
+        </p:txBody>
+      </p:sp>
+      <p:sp>
+        <p:nvSpPr>
+          <p:cNvPr id="49" name="文本框 48">
+            <a:extLst>
+              <a:ext uri="{FF2B5EF4-FFF2-40B4-BE49-F238E27FC236}">
+                <a16:creationId xmlns:a16="http://schemas.microsoft.com/office/drawing/2014/main" id="{6DE04957-6C04-2040-7B88-7AD5ADCA6A1B}"/>
+              </a:ext>
+            </a:extLst>
+          </p:cNvPr>
+          <p:cNvSpPr txBox="1"/>
+          <p:nvPr/>
+        </p:nvSpPr>
+        <p:spPr>
+          <a:xfrm>
+            <a:off x="3024947" y="2501195"/>
+            <a:ext cx="300082" cy="369332"/>
+          </a:xfrm>
+          <a:prstGeom prst="rect">
+            <a:avLst/>
+          </a:prstGeom>
+          <a:noFill/>
+        </p:spPr>
+        <p:txBody>
+          <a:bodyPr wrap="none" rtlCol="0">
+            <a:spAutoFit/>
+          </a:bodyPr>
+          <a:lstStyle/>
+          <a:p>
+            <a:r>
+              <a:rPr kumimoji="1" lang="en-US" altLang="zh-CN" dirty="0"/>
+              <a:t>=</a:t>
+            </a:r>
+            <a:endParaRPr kumimoji="1" lang="zh-CN" altLang="en-US" dirty="0"/>
+          </a:p>
+        </p:txBody>
+      </p:sp>
+      <p:sp>
+        <p:nvSpPr>
+          <p:cNvPr id="50" name="文本框 49">
+            <a:extLst>
+              <a:ext uri="{FF2B5EF4-FFF2-40B4-BE49-F238E27FC236}">
+                <a16:creationId xmlns:a16="http://schemas.microsoft.com/office/drawing/2014/main" id="{F57D7CFC-95F3-69EB-67F9-38C4FA300CCF}"/>
+              </a:ext>
+            </a:extLst>
+          </p:cNvPr>
+          <p:cNvSpPr txBox="1"/>
+          <p:nvPr/>
+        </p:nvSpPr>
+        <p:spPr>
+          <a:xfrm>
+            <a:off x="3341076" y="2490750"/>
+            <a:ext cx="476412" cy="369332"/>
+          </a:xfrm>
+          <a:prstGeom prst="rect">
+            <a:avLst/>
+          </a:prstGeom>
+          <a:noFill/>
+        </p:spPr>
+        <p:txBody>
+          <a:bodyPr wrap="none" rtlCol="0">
+            <a:spAutoFit/>
+          </a:bodyPr>
+          <a:lstStyle/>
+          <a:p>
+            <a:r>
+              <a:rPr kumimoji="1" lang="en-US" altLang="zh-CN" dirty="0"/>
+              <a:t>0.3</a:t>
+            </a:r>
+            <a:endParaRPr kumimoji="1" lang="zh-CN" altLang="en-US" dirty="0"/>
+          </a:p>
+        </p:txBody>
+      </p:sp>
+      <p:sp>
+        <p:nvSpPr>
+          <p:cNvPr id="51" name="文本框 50">
+            <a:extLst>
+              <a:ext uri="{FF2B5EF4-FFF2-40B4-BE49-F238E27FC236}">
+                <a16:creationId xmlns:a16="http://schemas.microsoft.com/office/drawing/2014/main" id="{DF0418AD-F838-9327-75D3-671D4402C312}"/>
+              </a:ext>
+            </a:extLst>
+          </p:cNvPr>
+          <p:cNvSpPr txBox="1"/>
+          <p:nvPr/>
+        </p:nvSpPr>
+        <p:spPr>
+          <a:xfrm>
+            <a:off x="3797108" y="2484523"/>
+            <a:ext cx="593432" cy="369332"/>
+          </a:xfrm>
+          <a:prstGeom prst="rect">
+            <a:avLst/>
+          </a:prstGeom>
+          <a:noFill/>
+        </p:spPr>
+        <p:txBody>
+          <a:bodyPr wrap="none" rtlCol="0">
+            <a:spAutoFit/>
+          </a:bodyPr>
+          <a:lstStyle/>
+          <a:p>
+            <a:r>
+              <a:rPr kumimoji="1" lang="en-US" altLang="zh-CN" dirty="0"/>
+              <a:t>0.35</a:t>
+            </a:r>
+            <a:endParaRPr kumimoji="1" lang="zh-CN" altLang="en-US" dirty="0"/>
+          </a:p>
+        </p:txBody>
+      </p:sp>
+      <p:sp>
+        <p:nvSpPr>
+          <p:cNvPr id="52" name="文本框 51">
+            <a:extLst>
+              <a:ext uri="{FF2B5EF4-FFF2-40B4-BE49-F238E27FC236}">
+                <a16:creationId xmlns:a16="http://schemas.microsoft.com/office/drawing/2014/main" id="{D3C1B15B-D38E-A661-0D8E-0E5D03533174}"/>
+              </a:ext>
+            </a:extLst>
+          </p:cNvPr>
+          <p:cNvSpPr txBox="1"/>
+          <p:nvPr/>
+        </p:nvSpPr>
+        <p:spPr>
+          <a:xfrm>
+            <a:off x="4305253" y="2480537"/>
+            <a:ext cx="476412" cy="369332"/>
+          </a:xfrm>
+          <a:prstGeom prst="rect">
+            <a:avLst/>
+          </a:prstGeom>
+          <a:noFill/>
+        </p:spPr>
+        <p:txBody>
+          <a:bodyPr wrap="none" rtlCol="0">
+            <a:spAutoFit/>
+          </a:bodyPr>
+          <a:lstStyle/>
+          <a:p>
+            <a:r>
+              <a:rPr kumimoji="1" lang="en-US" altLang="zh-CN" dirty="0"/>
+              <a:t>0.2</a:t>
+            </a:r>
+            <a:endParaRPr kumimoji="1" lang="zh-CN" altLang="en-US" dirty="0"/>
+          </a:p>
+        </p:txBody>
+      </p:sp>
+      <p:sp>
+        <p:nvSpPr>
+          <p:cNvPr id="53" name="文本框 52">
+            <a:extLst>
+              <a:ext uri="{FF2B5EF4-FFF2-40B4-BE49-F238E27FC236}">
+                <a16:creationId xmlns:a16="http://schemas.microsoft.com/office/drawing/2014/main" id="{C50B7937-40DE-875F-BC6A-2436AD396D51}"/>
+              </a:ext>
+            </a:extLst>
+          </p:cNvPr>
+          <p:cNvSpPr txBox="1"/>
+          <p:nvPr/>
+        </p:nvSpPr>
+        <p:spPr>
+          <a:xfrm>
+            <a:off x="4772238" y="2487115"/>
+            <a:ext cx="593432" cy="369332"/>
+          </a:xfrm>
+          <a:prstGeom prst="rect">
+            <a:avLst/>
+          </a:prstGeom>
+          <a:noFill/>
+        </p:spPr>
+        <p:txBody>
+          <a:bodyPr wrap="none" rtlCol="0">
+            <a:spAutoFit/>
+          </a:bodyPr>
+          <a:lstStyle/>
+          <a:p>
+            <a:r>
+              <a:rPr kumimoji="1" lang="en-US" altLang="zh-CN" dirty="0"/>
+              <a:t>0.06</a:t>
+            </a:r>
+            <a:endParaRPr kumimoji="1" lang="zh-CN" altLang="en-US" dirty="0"/>
+          </a:p>
+        </p:txBody>
+      </p:sp>
+      <p:sp>
+        <p:nvSpPr>
+          <p:cNvPr id="54" name="文本框 53">
+            <a:extLst>
+              <a:ext uri="{FF2B5EF4-FFF2-40B4-BE49-F238E27FC236}">
+                <a16:creationId xmlns:a16="http://schemas.microsoft.com/office/drawing/2014/main" id="{017D485F-E5A5-C614-34C9-BF28B8DE71B2}"/>
+              </a:ext>
+            </a:extLst>
+          </p:cNvPr>
+          <p:cNvSpPr txBox="1"/>
+          <p:nvPr/>
+        </p:nvSpPr>
+        <p:spPr>
+          <a:xfrm>
+            <a:off x="5293262" y="2487115"/>
+            <a:ext cx="593432" cy="369332"/>
+          </a:xfrm>
+          <a:prstGeom prst="rect">
+            <a:avLst/>
+          </a:prstGeom>
+          <a:noFill/>
+        </p:spPr>
+        <p:txBody>
+          <a:bodyPr wrap="none" rtlCol="0">
+            <a:spAutoFit/>
+          </a:bodyPr>
+          <a:lstStyle/>
+          <a:p>
+            <a:r>
+              <a:rPr kumimoji="1" lang="en-US" altLang="zh-CN" dirty="0"/>
+              <a:t>0.08</a:t>
+            </a:r>
+            <a:endParaRPr kumimoji="1" lang="zh-CN" altLang="en-US" dirty="0"/>
+          </a:p>
+        </p:txBody>
+      </p:sp>
+      <p:sp>
+        <p:nvSpPr>
+          <p:cNvPr id="55" name="椭圆 54">
+            <a:extLst>
+              <a:ext uri="{FF2B5EF4-FFF2-40B4-BE49-F238E27FC236}">
+                <a16:creationId xmlns:a16="http://schemas.microsoft.com/office/drawing/2014/main" id="{CCB4EE66-EC3B-E8E3-8AC9-4810B8C49E26}"/>
+              </a:ext>
+            </a:extLst>
+          </p:cNvPr>
+          <p:cNvSpPr/>
+          <p:nvPr/>
+        </p:nvSpPr>
+        <p:spPr>
+          <a:xfrm>
+            <a:off x="3779729" y="2394408"/>
+            <a:ext cx="593432" cy="1644842"/>
+          </a:xfrm>
+          <a:prstGeom prst="ellipse">
+            <a:avLst/>
+          </a:prstGeom>
+          <a:noFill/>
+          <a:ln w="19050">
+            <a:solidFill>
+              <a:srgbClr val="FF0000"/>
+            </a:solidFill>
+          </a:ln>
+        </p:spPr>
+        <p:style>
+          <a:lnRef idx="2">
+            <a:schemeClr val="accent1">
+              <a:shade val="50000"/>
+            </a:schemeClr>
+          </a:lnRef>
+          <a:fillRef idx="1">
+            <a:schemeClr val="accent1"/>
+          </a:fillRef>
+          <a:effectRef idx="0">
+            <a:schemeClr val="accent1"/>
+          </a:effectRef>
+          <a:fontRef idx="minor">
+            <a:schemeClr val="lt1"/>
+          </a:fontRef>
+        </p:style>
+        <p:txBody>
+          <a:bodyPr rtlCol="0" anchor="ctr"/>
+          <a:lstStyle/>
+          <a:p>
+            <a:pPr algn="ctr"/>
+            <a:endParaRPr kumimoji="1" lang="zh-CN" altLang="en-US"/>
+          </a:p>
+        </p:txBody>
+      </p:sp>
+    </p:spTree>
+    <p:extLst>
+      <p:ext uri="{BB962C8B-B14F-4D97-AF65-F5344CB8AC3E}">
+        <p14:creationId xmlns:p14="http://schemas.microsoft.com/office/powerpoint/2010/main" val="3926168038"/>
       </p:ext>
     </p:extLst>
   </p:cSld>
